--- a/other util/ユースケース図.pptx
+++ b/other util/ユースケース図.pptx
@@ -260,7 +260,7 @@
           <a:p>
             <a:fld id="{97C11E40-EB88-4D58-84FB-0F5DBF9A594F}" type="datetimeFigureOut">
               <a:rPr kumimoji="1" lang="ja-JP" altLang="en-US" smtClean="0"/>
-              <a:t>2024/6/24</a:t>
+              <a:t>2024/7/2</a:t>
             </a:fld>
             <a:endParaRPr kumimoji="1" lang="ja-JP" altLang="en-US"/>
           </a:p>
@@ -490,7 +490,7 @@
           <a:p>
             <a:fld id="{97C11E40-EB88-4D58-84FB-0F5DBF9A594F}" type="datetimeFigureOut">
               <a:rPr kumimoji="1" lang="ja-JP" altLang="en-US" smtClean="0"/>
-              <a:t>2024/6/24</a:t>
+              <a:t>2024/7/2</a:t>
             </a:fld>
             <a:endParaRPr kumimoji="1" lang="ja-JP" altLang="en-US"/>
           </a:p>
@@ -730,7 +730,7 @@
           <a:p>
             <a:fld id="{97C11E40-EB88-4D58-84FB-0F5DBF9A594F}" type="datetimeFigureOut">
               <a:rPr kumimoji="1" lang="ja-JP" altLang="en-US" smtClean="0"/>
-              <a:t>2024/6/24</a:t>
+              <a:t>2024/7/2</a:t>
             </a:fld>
             <a:endParaRPr kumimoji="1" lang="ja-JP" altLang="en-US"/>
           </a:p>
@@ -960,7 +960,7 @@
           <a:p>
             <a:fld id="{97C11E40-EB88-4D58-84FB-0F5DBF9A594F}" type="datetimeFigureOut">
               <a:rPr kumimoji="1" lang="ja-JP" altLang="en-US" smtClean="0"/>
-              <a:t>2024/6/24</a:t>
+              <a:t>2024/7/2</a:t>
             </a:fld>
             <a:endParaRPr kumimoji="1" lang="ja-JP" altLang="en-US"/>
           </a:p>
@@ -1235,7 +1235,7 @@
           <a:p>
             <a:fld id="{97C11E40-EB88-4D58-84FB-0F5DBF9A594F}" type="datetimeFigureOut">
               <a:rPr kumimoji="1" lang="ja-JP" altLang="en-US" smtClean="0"/>
-              <a:t>2024/6/24</a:t>
+              <a:t>2024/7/2</a:t>
             </a:fld>
             <a:endParaRPr kumimoji="1" lang="ja-JP" altLang="en-US"/>
           </a:p>
@@ -1564,7 +1564,7 @@
           <a:p>
             <a:fld id="{97C11E40-EB88-4D58-84FB-0F5DBF9A594F}" type="datetimeFigureOut">
               <a:rPr kumimoji="1" lang="ja-JP" altLang="en-US" smtClean="0"/>
-              <a:t>2024/6/24</a:t>
+              <a:t>2024/7/2</a:t>
             </a:fld>
             <a:endParaRPr kumimoji="1" lang="ja-JP" altLang="en-US"/>
           </a:p>
@@ -2040,7 +2040,7 @@
           <a:p>
             <a:fld id="{97C11E40-EB88-4D58-84FB-0F5DBF9A594F}" type="datetimeFigureOut">
               <a:rPr kumimoji="1" lang="ja-JP" altLang="en-US" smtClean="0"/>
-              <a:t>2024/6/24</a:t>
+              <a:t>2024/7/2</a:t>
             </a:fld>
             <a:endParaRPr kumimoji="1" lang="ja-JP" altLang="en-US"/>
           </a:p>
@@ -2181,7 +2181,7 @@
           <a:p>
             <a:fld id="{97C11E40-EB88-4D58-84FB-0F5DBF9A594F}" type="datetimeFigureOut">
               <a:rPr kumimoji="1" lang="ja-JP" altLang="en-US" smtClean="0"/>
-              <a:t>2024/6/24</a:t>
+              <a:t>2024/7/2</a:t>
             </a:fld>
             <a:endParaRPr kumimoji="1" lang="ja-JP" altLang="en-US"/>
           </a:p>
@@ -2294,7 +2294,7 @@
           <a:p>
             <a:fld id="{97C11E40-EB88-4D58-84FB-0F5DBF9A594F}" type="datetimeFigureOut">
               <a:rPr kumimoji="1" lang="ja-JP" altLang="en-US" smtClean="0"/>
-              <a:t>2024/6/24</a:t>
+              <a:t>2024/7/2</a:t>
             </a:fld>
             <a:endParaRPr kumimoji="1" lang="ja-JP" altLang="en-US"/>
           </a:p>
@@ -2637,7 +2637,7 @@
           <a:p>
             <a:fld id="{97C11E40-EB88-4D58-84FB-0F5DBF9A594F}" type="datetimeFigureOut">
               <a:rPr kumimoji="1" lang="ja-JP" altLang="en-US" smtClean="0"/>
-              <a:t>2024/6/24</a:t>
+              <a:t>2024/7/2</a:t>
             </a:fld>
             <a:endParaRPr kumimoji="1" lang="ja-JP" altLang="en-US"/>
           </a:p>
@@ -2925,7 +2925,7 @@
           <a:p>
             <a:fld id="{97C11E40-EB88-4D58-84FB-0F5DBF9A594F}" type="datetimeFigureOut">
               <a:rPr kumimoji="1" lang="ja-JP" altLang="en-US" smtClean="0"/>
-              <a:t>2024/6/24</a:t>
+              <a:t>2024/7/2</a:t>
             </a:fld>
             <a:endParaRPr kumimoji="1" lang="ja-JP" altLang="en-US"/>
           </a:p>
@@ -3198,7 +3198,7 @@
           <a:p>
             <a:fld id="{97C11E40-EB88-4D58-84FB-0F5DBF9A594F}" type="datetimeFigureOut">
               <a:rPr kumimoji="1" lang="ja-JP" altLang="en-US" smtClean="0"/>
-              <a:t>2024/6/24</a:t>
+              <a:t>2024/7/2</a:t>
             </a:fld>
             <a:endParaRPr kumimoji="1" lang="ja-JP" altLang="en-US"/>
           </a:p>
@@ -3646,7 +3646,7 @@
         </p:blipFill>
         <p:spPr>
           <a:xfrm>
-            <a:off x="92025" y="2637504"/>
+            <a:off x="1832339" y="2303207"/>
             <a:ext cx="914400" cy="914400"/>
           </a:xfrm>
           <a:prstGeom prst="rect">
@@ -3668,7 +3668,7 @@
         </p:nvSpPr>
         <p:spPr>
           <a:xfrm>
-            <a:off x="71285" y="3518894"/>
+            <a:off x="1811599" y="3184597"/>
             <a:ext cx="1017638" cy="523220"/>
           </a:xfrm>
           <a:prstGeom prst="rect">
@@ -3692,10 +3692,10 @@
       </p:sp>
       <p:sp>
         <p:nvSpPr>
-          <p:cNvPr id="23" name="正方形/長方形 22">
-            <a:extLst>
-              <a:ext uri="{FF2B5EF4-FFF2-40B4-BE49-F238E27FC236}">
-                <a16:creationId xmlns:a16="http://schemas.microsoft.com/office/drawing/2014/main" id="{C1938EDC-BC1D-BBBD-D3A1-273D02B20F1E}"/>
+          <p:cNvPr id="4" name="正方形/長方形 3">
+            <a:extLst>
+              <a:ext uri="{FF2B5EF4-FFF2-40B4-BE49-F238E27FC236}">
+                <a16:creationId xmlns:a16="http://schemas.microsoft.com/office/drawing/2014/main" id="{C795586F-B4C2-749C-6FB9-7CD4CF67E126}"/>
               </a:ext>
             </a:extLst>
           </p:cNvPr>
@@ -3704,12 +3704,13 @@
         </p:nvSpPr>
         <p:spPr>
           <a:xfrm>
-            <a:off x="5501150" y="1654278"/>
-            <a:ext cx="3829664" cy="639097"/>
+            <a:off x="3404915" y="697497"/>
+            <a:ext cx="4982005" cy="5693471"/>
           </a:xfrm>
           <a:prstGeom prst="rect">
             <a:avLst/>
           </a:prstGeom>
+          <a:noFill/>
           <a:ln w="19050">
             <a:solidFill>
               <a:schemeClr val="tx1"/>
@@ -3718,16 +3719,18 @@
         </p:spPr>
         <p:style>
           <a:lnRef idx="2">
-            <a:schemeClr val="accent6"/>
+            <a:schemeClr val="accent1">
+              <a:shade val="15000"/>
+            </a:schemeClr>
           </a:lnRef>
           <a:fillRef idx="1">
-            <a:schemeClr val="lt1"/>
+            <a:schemeClr val="accent1"/>
           </a:fillRef>
           <a:effectRef idx="0">
-            <a:schemeClr val="accent6"/>
+            <a:schemeClr val="accent1"/>
           </a:effectRef>
           <a:fontRef idx="minor">
-            <a:schemeClr val="dk1"/>
+            <a:schemeClr val="lt1"/>
           </a:fontRef>
         </p:style>
         <p:txBody>
@@ -3735,44 +3738,18 @@
           <a:lstStyle/>
           <a:p>
             <a:pPr algn="ctr"/>
-            <a:r>
-              <a:rPr kumimoji="1" lang="ja-JP" altLang="en-US" dirty="0">
-                <a:ln w="28575">
-                  <a:noFill/>
-                </a:ln>
-              </a:rPr>
-              <a:t>書名、著者、書影</a:t>
-            </a:r>
-            <a:r>
-              <a:rPr kumimoji="1" lang="en-US" altLang="ja-JP" dirty="0">
-                <a:ln w="28575">
-                  <a:noFill/>
-                </a:ln>
-              </a:rPr>
-              <a:t>(URL)</a:t>
-            </a:r>
-            <a:r>
-              <a:rPr kumimoji="1" lang="ja-JP" altLang="en-US" dirty="0">
-                <a:ln w="28575">
-                  <a:noFill/>
-                </a:ln>
-              </a:rPr>
-              <a:t>等の保存</a:t>
-            </a:r>
-            <a:endParaRPr lang="en-US" altLang="ja-JP" dirty="0">
-              <a:ln w="28575">
-                <a:noFill/>
-              </a:ln>
+            <a:endParaRPr kumimoji="1" lang="ja-JP" altLang="en-US" dirty="0">
+              <a:noFill/>
             </a:endParaRPr>
           </a:p>
         </p:txBody>
       </p:sp>
       <p:sp>
         <p:nvSpPr>
-          <p:cNvPr id="34" name="正方形/長方形 33">
-            <a:extLst>
-              <a:ext uri="{FF2B5EF4-FFF2-40B4-BE49-F238E27FC236}">
-                <a16:creationId xmlns:a16="http://schemas.microsoft.com/office/drawing/2014/main" id="{2BE8806D-BA32-D5D0-33C9-85D17AB2515D}"/>
+          <p:cNvPr id="9" name="楕円 8">
+            <a:extLst>
+              <a:ext uri="{FF2B5EF4-FFF2-40B4-BE49-F238E27FC236}">
+                <a16:creationId xmlns:a16="http://schemas.microsoft.com/office/drawing/2014/main" id="{D839738A-A6B1-75DB-A0C7-2935B673E34F}"/>
               </a:ext>
             </a:extLst>
           </p:cNvPr>
@@ -3781,12 +3758,13 @@
         </p:nvSpPr>
         <p:spPr>
           <a:xfrm>
-            <a:off x="5729750" y="543233"/>
-            <a:ext cx="3372464" cy="639097"/>
-          </a:xfrm>
-          <a:prstGeom prst="rect">
+            <a:off x="6114176" y="1923827"/>
+            <a:ext cx="1956620" cy="485431"/>
+          </a:xfrm>
+          <a:prstGeom prst="ellipse">
             <a:avLst/>
           </a:prstGeom>
+          <a:noFill/>
           <a:ln w="19050">
             <a:solidFill>
               <a:schemeClr val="tx1"/>
@@ -3795,16 +3773,18 @@
         </p:spPr>
         <p:style>
           <a:lnRef idx="2">
-            <a:schemeClr val="accent6"/>
+            <a:schemeClr val="accent1">
+              <a:shade val="15000"/>
+            </a:schemeClr>
           </a:lnRef>
           <a:fillRef idx="1">
-            <a:schemeClr val="lt1"/>
+            <a:schemeClr val="accent1"/>
           </a:fillRef>
           <a:effectRef idx="0">
-            <a:schemeClr val="accent6"/>
+            <a:schemeClr val="accent1"/>
           </a:effectRef>
           <a:fontRef idx="minor">
-            <a:schemeClr val="dk1"/>
+            <a:schemeClr val="lt1"/>
           </a:fontRef>
         </p:style>
         <p:txBody>
@@ -3813,96 +3793,42 @@
           <a:p>
             <a:pPr algn="ctr"/>
             <a:r>
-              <a:rPr kumimoji="1" lang="en-US" altLang="ja-JP" dirty="0">
-                <a:ln w="28575">
-                  <a:noFill/>
-                </a:ln>
+              <a:rPr kumimoji="1" lang="ja-JP" altLang="en-US" dirty="0">
+                <a:solidFill>
+                  <a:schemeClr val="tx1"/>
+                </a:solidFill>
               </a:rPr>
-              <a:t>ISBN</a:t>
-            </a:r>
-            <a:r>
-              <a:rPr kumimoji="1" lang="ja-JP" altLang="en-US" dirty="0">
-                <a:ln w="28575">
-                  <a:noFill/>
-                </a:ln>
-              </a:rPr>
-              <a:t>からの索引</a:t>
+              <a:t>図書の登録</a:t>
             </a:r>
             <a:endParaRPr kumimoji="1" lang="en-US" altLang="ja-JP" dirty="0">
-              <a:ln w="28575">
-                <a:noFill/>
-              </a:ln>
+              <a:solidFill>
+                <a:schemeClr val="tx1"/>
+              </a:solidFill>
             </a:endParaRPr>
           </a:p>
-          <a:p>
-            <a:pPr algn="ctr"/>
-            <a:r>
-              <a:rPr lang="en-US" altLang="ja-JP" dirty="0">
-                <a:ln w="28575">
-                  <a:noFill/>
-                </a:ln>
-              </a:rPr>
-              <a:t>(</a:t>
-            </a:r>
-            <a:r>
-              <a:rPr lang="ja-JP" altLang="en-US" dirty="0">
-                <a:ln w="28575">
-                  <a:noFill/>
-                </a:ln>
-              </a:rPr>
-              <a:t>国会図書館</a:t>
-            </a:r>
-            <a:r>
-              <a:rPr lang="en-US" altLang="ja-JP" dirty="0">
-                <a:ln w="28575">
-                  <a:noFill/>
-                </a:ln>
-              </a:rPr>
-              <a:t>API</a:t>
-            </a:r>
-            <a:r>
-              <a:rPr lang="ja-JP" altLang="en-US" dirty="0">
-                <a:ln w="28575">
-                  <a:noFill/>
-                </a:ln>
-              </a:rPr>
-              <a:t>使用</a:t>
-            </a:r>
-            <a:r>
-              <a:rPr lang="en-US" altLang="ja-JP" dirty="0">
-                <a:ln w="28575">
-                  <a:noFill/>
-                </a:ln>
-              </a:rPr>
-              <a:t>)</a:t>
-            </a:r>
-          </a:p>
-        </p:txBody>
-      </p:sp>
-      <p:cxnSp>
-        <p:nvCxnSpPr>
-          <p:cNvPr id="35" name="直線コネクタ 34">
-            <a:extLst>
-              <a:ext uri="{FF2B5EF4-FFF2-40B4-BE49-F238E27FC236}">
-                <a16:creationId xmlns:a16="http://schemas.microsoft.com/office/drawing/2014/main" id="{3C450FCA-147D-6B83-0854-10EFA72B3E83}"/>
-              </a:ext>
-            </a:extLst>
-          </p:cNvPr>
-          <p:cNvCxnSpPr>
-            <a:cxnSpLocks/>
-            <a:stCxn id="23" idx="0"/>
-            <a:endCxn id="34" idx="2"/>
-          </p:cNvCxnSpPr>
+        </p:txBody>
+      </p:sp>
+      <p:sp>
+        <p:nvSpPr>
+          <p:cNvPr id="12" name="楕円 11">
+            <a:extLst>
+              <a:ext uri="{FF2B5EF4-FFF2-40B4-BE49-F238E27FC236}">
+                <a16:creationId xmlns:a16="http://schemas.microsoft.com/office/drawing/2014/main" id="{408B93FB-DCDC-81CA-DDD9-8D94E8E2908D}"/>
+              </a:ext>
+            </a:extLst>
+          </p:cNvPr>
+          <p:cNvSpPr/>
           <p:nvPr/>
-        </p:nvCxnSpPr>
-        <p:spPr>
-          <a:xfrm flipV="1">
-            <a:off x="7415982" y="1182330"/>
-            <a:ext cx="0" cy="471948"/>
-          </a:xfrm>
-          <a:prstGeom prst="line">
+        </p:nvSpPr>
+        <p:spPr>
+          <a:xfrm>
+            <a:off x="6114176" y="2421540"/>
+            <a:ext cx="1956620" cy="485431"/>
+          </a:xfrm>
+          <a:prstGeom prst="ellipse">
             <a:avLst/>
           </a:prstGeom>
+          <a:noFill/>
           <a:ln w="19050">
             <a:solidFill>
               <a:schemeClr val="tx1"/>
@@ -3910,124 +3836,63 @@
           </a:ln>
         </p:spPr>
         <p:style>
-          <a:lnRef idx="1">
-            <a:schemeClr val="dk1"/>
+          <a:lnRef idx="2">
+            <a:schemeClr val="accent1">
+              <a:shade val="15000"/>
+            </a:schemeClr>
           </a:lnRef>
-          <a:fillRef idx="0">
-            <a:schemeClr val="dk1"/>
+          <a:fillRef idx="1">
+            <a:schemeClr val="accent1"/>
           </a:fillRef>
           <a:effectRef idx="0">
-            <a:schemeClr val="dk1"/>
+            <a:schemeClr val="accent1"/>
           </a:effectRef>
           <a:fontRef idx="minor">
-            <a:schemeClr val="tx1"/>
+            <a:schemeClr val="lt1"/>
           </a:fontRef>
         </p:style>
-      </p:cxnSp>
-      <p:sp>
-        <p:nvSpPr>
-          <p:cNvPr id="38" name="テキスト ボックス 37">
-            <a:extLst>
-              <a:ext uri="{FF2B5EF4-FFF2-40B4-BE49-F238E27FC236}">
-                <a16:creationId xmlns:a16="http://schemas.microsoft.com/office/drawing/2014/main" id="{13C224DD-C25C-B75D-BF29-6489B89DAE95}"/>
-              </a:ext>
-            </a:extLst>
-          </p:cNvPr>
-          <p:cNvSpPr txBox="1"/>
+        <p:txBody>
+          <a:bodyPr rtlCol="0" anchor="ctr"/>
+          <a:lstStyle/>
+          <a:p>
+            <a:pPr algn="ctr"/>
+            <a:r>
+              <a:rPr kumimoji="1" lang="ja-JP" altLang="en-US" dirty="0">
+                <a:solidFill>
+                  <a:schemeClr val="tx1"/>
+                </a:solidFill>
+              </a:rPr>
+              <a:t>図書の削除</a:t>
+            </a:r>
+            <a:endParaRPr kumimoji="1" lang="en-US" altLang="ja-JP" dirty="0">
+              <a:solidFill>
+                <a:schemeClr val="tx1"/>
+              </a:solidFill>
+            </a:endParaRPr>
+          </a:p>
+        </p:txBody>
+      </p:sp>
+      <p:sp>
+        <p:nvSpPr>
+          <p:cNvPr id="13" name="楕円 12">
+            <a:extLst>
+              <a:ext uri="{FF2B5EF4-FFF2-40B4-BE49-F238E27FC236}">
+                <a16:creationId xmlns:a16="http://schemas.microsoft.com/office/drawing/2014/main" id="{ABDAE047-D910-8A04-BD08-9E728FF98172}"/>
+              </a:ext>
+            </a:extLst>
+          </p:cNvPr>
+          <p:cNvSpPr/>
           <p:nvPr/>
         </p:nvSpPr>
         <p:spPr>
           <a:xfrm>
-            <a:off x="7476942" y="1281661"/>
-            <a:ext cx="1189701" cy="276999"/>
-          </a:xfrm>
-          <a:prstGeom prst="rect">
+            <a:off x="6114176" y="2988815"/>
+            <a:ext cx="1956620" cy="639097"/>
+          </a:xfrm>
+          <a:prstGeom prst="ellipse">
             <a:avLst/>
           </a:prstGeom>
           <a:noFill/>
-        </p:spPr>
-        <p:txBody>
-          <a:bodyPr wrap="square" rtlCol="0">
-            <a:spAutoFit/>
-          </a:bodyPr>
-          <a:lstStyle/>
-          <a:p>
-            <a:r>
-              <a:rPr kumimoji="1" lang="en-US" altLang="ja-JP" sz="1200" dirty="0"/>
-              <a:t>&lt;&lt;include&gt;&gt;</a:t>
-            </a:r>
-            <a:endParaRPr kumimoji="1" lang="ja-JP" altLang="en-US" sz="1200" dirty="0"/>
-          </a:p>
-        </p:txBody>
-      </p:sp>
-      <p:sp>
-        <p:nvSpPr>
-          <p:cNvPr id="40" name="テキスト ボックス 39">
-            <a:extLst>
-              <a:ext uri="{FF2B5EF4-FFF2-40B4-BE49-F238E27FC236}">
-                <a16:creationId xmlns:a16="http://schemas.microsoft.com/office/drawing/2014/main" id="{783BDD3C-3126-EF70-B29C-B7A1FE452ABA}"/>
-              </a:ext>
-            </a:extLst>
-          </p:cNvPr>
-          <p:cNvSpPr txBox="1"/>
-          <p:nvPr/>
-        </p:nvSpPr>
-        <p:spPr>
-          <a:xfrm>
-            <a:off x="10744200" y="2862237"/>
-            <a:ext cx="1632155" cy="523220"/>
-          </a:xfrm>
-          <a:prstGeom prst="rect">
-            <a:avLst/>
-          </a:prstGeom>
-          <a:noFill/>
-        </p:spPr>
-        <p:txBody>
-          <a:bodyPr wrap="square" rtlCol="0">
-            <a:spAutoFit/>
-          </a:bodyPr>
-          <a:lstStyle/>
-          <a:p>
-            <a:pPr algn="ctr"/>
-            <a:r>
-              <a:rPr lang="ja-JP" altLang="en-US" sz="1400" dirty="0"/>
-              <a:t>図書管理</a:t>
-            </a:r>
-            <a:endParaRPr lang="en-US" altLang="ja-JP" sz="1400" dirty="0"/>
-          </a:p>
-          <a:p>
-            <a:pPr algn="ctr"/>
-            <a:r>
-              <a:rPr lang="ja-JP" altLang="en-US" sz="1400" dirty="0"/>
-              <a:t>システム</a:t>
-            </a:r>
-            <a:endParaRPr lang="en-US" altLang="ja-JP" sz="1400" dirty="0"/>
-          </a:p>
-        </p:txBody>
-      </p:sp>
-      <p:cxnSp>
-        <p:nvCxnSpPr>
-          <p:cNvPr id="41" name="直線コネクタ 40">
-            <a:extLst>
-              <a:ext uri="{FF2B5EF4-FFF2-40B4-BE49-F238E27FC236}">
-                <a16:creationId xmlns:a16="http://schemas.microsoft.com/office/drawing/2014/main" id="{C5B66C55-6E4C-640A-F09C-D23F624EAD53}"/>
-              </a:ext>
-            </a:extLst>
-          </p:cNvPr>
-          <p:cNvCxnSpPr>
-            <a:cxnSpLocks/>
-            <a:stCxn id="23" idx="3"/>
-          </p:cNvCxnSpPr>
-          <p:nvPr/>
-        </p:nvCxnSpPr>
-        <p:spPr>
-          <a:xfrm>
-            <a:off x="9330814" y="1973827"/>
-            <a:ext cx="1772263" cy="1120877"/>
-          </a:xfrm>
-          <a:prstGeom prst="line">
-            <a:avLst/>
-          </a:prstGeom>
           <a:ln w="19050">
             <a:solidFill>
               <a:schemeClr val="tx1"/>
@@ -4035,40 +3900,98 @@
           </a:ln>
         </p:spPr>
         <p:style>
-          <a:lnRef idx="1">
-            <a:schemeClr val="dk1"/>
+          <a:lnRef idx="2">
+            <a:schemeClr val="accent1">
+              <a:shade val="15000"/>
+            </a:schemeClr>
           </a:lnRef>
-          <a:fillRef idx="0">
-            <a:schemeClr val="dk1"/>
+          <a:fillRef idx="1">
+            <a:schemeClr val="accent1"/>
           </a:fillRef>
           <a:effectRef idx="0">
-            <a:schemeClr val="dk1"/>
+            <a:schemeClr val="accent1"/>
           </a:effectRef>
           <a:fontRef idx="minor">
-            <a:schemeClr val="tx1"/>
+            <a:schemeClr val="lt1"/>
           </a:fontRef>
         </p:style>
-      </p:cxnSp>
-      <p:sp>
-        <p:nvSpPr>
-          <p:cNvPr id="44" name="正方形/長方形 43">
-            <a:extLst>
-              <a:ext uri="{FF2B5EF4-FFF2-40B4-BE49-F238E27FC236}">
-                <a16:creationId xmlns:a16="http://schemas.microsoft.com/office/drawing/2014/main" id="{5C115343-7A8B-F42B-3526-D84228E9A2EA}"/>
-              </a:ext>
-            </a:extLst>
-          </p:cNvPr>
-          <p:cNvSpPr/>
+        <p:txBody>
+          <a:bodyPr rtlCol="0" anchor="ctr"/>
+          <a:lstStyle/>
+          <a:p>
+            <a:pPr algn="ctr"/>
+            <a:r>
+              <a:rPr kumimoji="1" lang="ja-JP" altLang="en-US" dirty="0">
+                <a:solidFill>
+                  <a:schemeClr val="tx1"/>
+                </a:solidFill>
+              </a:rPr>
+              <a:t>図書の登録情報の修正</a:t>
+            </a:r>
+            <a:endParaRPr kumimoji="1" lang="en-US" altLang="ja-JP" dirty="0">
+              <a:solidFill>
+                <a:schemeClr val="tx1"/>
+              </a:solidFill>
+            </a:endParaRPr>
+          </a:p>
+        </p:txBody>
+      </p:sp>
+      <p:sp>
+        <p:nvSpPr>
+          <p:cNvPr id="15" name="テキスト ボックス 14">
+            <a:extLst>
+              <a:ext uri="{FF2B5EF4-FFF2-40B4-BE49-F238E27FC236}">
+                <a16:creationId xmlns:a16="http://schemas.microsoft.com/office/drawing/2014/main" id="{EF5EC44C-F552-3A38-A05C-59F3BC007093}"/>
+              </a:ext>
+            </a:extLst>
+          </p:cNvPr>
+          <p:cNvSpPr txBox="1"/>
           <p:nvPr/>
         </p:nvSpPr>
         <p:spPr>
           <a:xfrm>
-            <a:off x="5727662" y="2757246"/>
-            <a:ext cx="3372464" cy="639097"/>
+            <a:off x="4888342" y="675273"/>
+            <a:ext cx="2015149" cy="369332"/>
           </a:xfrm>
           <a:prstGeom prst="rect">
             <a:avLst/>
           </a:prstGeom>
+          <a:noFill/>
+        </p:spPr>
+        <p:txBody>
+          <a:bodyPr wrap="square" rtlCol="0">
+            <a:spAutoFit/>
+          </a:bodyPr>
+          <a:lstStyle/>
+          <a:p>
+            <a:r>
+              <a:rPr kumimoji="1" lang="ja-JP" altLang="en-US" dirty="0"/>
+              <a:t>図書管理システム</a:t>
+            </a:r>
+          </a:p>
+        </p:txBody>
+      </p:sp>
+      <p:sp>
+        <p:nvSpPr>
+          <p:cNvPr id="2" name="楕円 1">
+            <a:extLst>
+              <a:ext uri="{FF2B5EF4-FFF2-40B4-BE49-F238E27FC236}">
+                <a16:creationId xmlns:a16="http://schemas.microsoft.com/office/drawing/2014/main" id="{74066702-BE8D-EE63-55A7-780BB87344D6}"/>
+              </a:ext>
+            </a:extLst>
+          </p:cNvPr>
+          <p:cNvSpPr/>
+          <p:nvPr/>
+        </p:nvSpPr>
+        <p:spPr>
+          <a:xfrm>
+            <a:off x="5017054" y="1069947"/>
+            <a:ext cx="1956620" cy="639097"/>
+          </a:xfrm>
+          <a:prstGeom prst="ellipse">
+            <a:avLst/>
+          </a:prstGeom>
+          <a:noFill/>
           <a:ln w="19050">
             <a:solidFill>
               <a:schemeClr val="tx1"/>
@@ -4077,16 +4000,18 @@
         </p:spPr>
         <p:style>
           <a:lnRef idx="2">
-            <a:schemeClr val="accent6"/>
+            <a:schemeClr val="accent1">
+              <a:shade val="15000"/>
+            </a:schemeClr>
           </a:lnRef>
           <a:fillRef idx="1">
-            <a:schemeClr val="lt1"/>
+            <a:schemeClr val="accent1"/>
           </a:fillRef>
           <a:effectRef idx="0">
-            <a:schemeClr val="accent6"/>
+            <a:schemeClr val="accent1"/>
           </a:effectRef>
           <a:fontRef idx="minor">
-            <a:schemeClr val="dk1"/>
+            <a:schemeClr val="lt1"/>
           </a:fontRef>
         </p:style>
         <p:txBody>
@@ -4095,50 +4020,461 @@
           <a:p>
             <a:pPr algn="ctr"/>
             <a:r>
-              <a:rPr lang="ja-JP" altLang="en-US" dirty="0">
-                <a:ln w="28575">
-                  <a:noFill/>
-                </a:ln>
+              <a:rPr kumimoji="1" lang="ja-JP" altLang="en-US" dirty="0">
+                <a:solidFill>
+                  <a:schemeClr val="tx1"/>
+                </a:solidFill>
               </a:rPr>
-              <a:t>レビュー情報の保存</a:t>
-            </a:r>
-            <a:endParaRPr lang="en-US" altLang="ja-JP" dirty="0">
-              <a:ln w="28575">
-                <a:noFill/>
-              </a:ln>
+              <a:t>図書の確認</a:t>
+            </a:r>
+            <a:endParaRPr kumimoji="1" lang="en-US" altLang="ja-JP" dirty="0">
+              <a:solidFill>
+                <a:schemeClr val="tx1"/>
+              </a:solidFill>
             </a:endParaRPr>
           </a:p>
         </p:txBody>
       </p:sp>
-      <p:cxnSp>
-        <p:nvCxnSpPr>
-          <p:cNvPr id="63" name="直線コネクタ 62">
-            <a:extLst>
-              <a:ext uri="{FF2B5EF4-FFF2-40B4-BE49-F238E27FC236}">
-                <a16:creationId xmlns:a16="http://schemas.microsoft.com/office/drawing/2014/main" id="{3CEEBAC6-0608-443B-E3C0-550C8B93248A}"/>
-              </a:ext>
-            </a:extLst>
-          </p:cNvPr>
-          <p:cNvCxnSpPr>
-            <a:cxnSpLocks/>
-            <a:stCxn id="44" idx="0"/>
-            <a:endCxn id="23" idx="2"/>
-          </p:cNvCxnSpPr>
+      <p:sp>
+        <p:nvSpPr>
+          <p:cNvPr id="3" name="楕円 2">
+            <a:extLst>
+              <a:ext uri="{FF2B5EF4-FFF2-40B4-BE49-F238E27FC236}">
+                <a16:creationId xmlns:a16="http://schemas.microsoft.com/office/drawing/2014/main" id="{34D95EF6-7CFA-36FA-D1F3-93E5E1446997}"/>
+              </a:ext>
+            </a:extLst>
+          </p:cNvPr>
+          <p:cNvSpPr/>
           <p:nvPr/>
-        </p:nvCxnSpPr>
-        <p:spPr>
-          <a:xfrm flipV="1">
-            <a:off x="7413894" y="2293375"/>
-            <a:ext cx="2088" cy="463871"/>
-          </a:xfrm>
-          <a:prstGeom prst="line">
+        </p:nvSpPr>
+        <p:spPr>
+          <a:xfrm>
+            <a:off x="3937680" y="1922268"/>
+            <a:ext cx="1956620" cy="639097"/>
+          </a:xfrm>
+          <a:prstGeom prst="ellipse">
             <a:avLst/>
           </a:prstGeom>
+          <a:noFill/>
           <a:ln w="19050">
             <a:solidFill>
               <a:schemeClr val="tx1"/>
             </a:solidFill>
           </a:ln>
+        </p:spPr>
+        <p:style>
+          <a:lnRef idx="2">
+            <a:schemeClr val="accent1">
+              <a:shade val="15000"/>
+            </a:schemeClr>
+          </a:lnRef>
+          <a:fillRef idx="1">
+            <a:schemeClr val="accent1"/>
+          </a:fillRef>
+          <a:effectRef idx="0">
+            <a:schemeClr val="accent1"/>
+          </a:effectRef>
+          <a:fontRef idx="minor">
+            <a:schemeClr val="lt1"/>
+          </a:fontRef>
+        </p:style>
+        <p:txBody>
+          <a:bodyPr rtlCol="0" anchor="ctr"/>
+          <a:lstStyle/>
+          <a:p>
+            <a:pPr algn="ctr"/>
+            <a:r>
+              <a:rPr kumimoji="1" lang="ja-JP" altLang="en-US" dirty="0">
+                <a:solidFill>
+                  <a:schemeClr val="tx1"/>
+                </a:solidFill>
+              </a:rPr>
+              <a:t>貸出申請</a:t>
+            </a:r>
+            <a:endParaRPr kumimoji="1" lang="en-US" altLang="ja-JP" dirty="0">
+              <a:solidFill>
+                <a:schemeClr val="tx1"/>
+              </a:solidFill>
+            </a:endParaRPr>
+          </a:p>
+        </p:txBody>
+      </p:sp>
+      <p:sp>
+        <p:nvSpPr>
+          <p:cNvPr id="6" name="楕円 5">
+            <a:extLst>
+              <a:ext uri="{FF2B5EF4-FFF2-40B4-BE49-F238E27FC236}">
+                <a16:creationId xmlns:a16="http://schemas.microsoft.com/office/drawing/2014/main" id="{8EC42010-09BE-AF7D-2D93-DB5BDDCAEC23}"/>
+              </a:ext>
+            </a:extLst>
+          </p:cNvPr>
+          <p:cNvSpPr/>
+          <p:nvPr/>
+        </p:nvSpPr>
+        <p:spPr>
+          <a:xfrm>
+            <a:off x="3937680" y="2583589"/>
+            <a:ext cx="1956620" cy="639097"/>
+          </a:xfrm>
+          <a:prstGeom prst="ellipse">
+            <a:avLst/>
+          </a:prstGeom>
+          <a:noFill/>
+          <a:ln w="19050">
+            <a:solidFill>
+              <a:schemeClr val="tx1"/>
+            </a:solidFill>
+          </a:ln>
+        </p:spPr>
+        <p:style>
+          <a:lnRef idx="2">
+            <a:schemeClr val="accent1">
+              <a:shade val="15000"/>
+            </a:schemeClr>
+          </a:lnRef>
+          <a:fillRef idx="1">
+            <a:schemeClr val="accent1"/>
+          </a:fillRef>
+          <a:effectRef idx="0">
+            <a:schemeClr val="accent1"/>
+          </a:effectRef>
+          <a:fontRef idx="minor">
+            <a:schemeClr val="lt1"/>
+          </a:fontRef>
+        </p:style>
+        <p:txBody>
+          <a:bodyPr rtlCol="0" anchor="ctr"/>
+          <a:lstStyle/>
+          <a:p>
+            <a:pPr algn="ctr"/>
+            <a:r>
+              <a:rPr kumimoji="1" lang="ja-JP" altLang="en-US" dirty="0">
+                <a:solidFill>
+                  <a:schemeClr val="tx1"/>
+                </a:solidFill>
+              </a:rPr>
+              <a:t>返却申請</a:t>
+            </a:r>
+            <a:endParaRPr kumimoji="1" lang="en-US" altLang="ja-JP" dirty="0">
+              <a:solidFill>
+                <a:schemeClr val="tx1"/>
+              </a:solidFill>
+            </a:endParaRPr>
+          </a:p>
+        </p:txBody>
+      </p:sp>
+      <p:sp>
+        <p:nvSpPr>
+          <p:cNvPr id="7" name="楕円 6">
+            <a:extLst>
+              <a:ext uri="{FF2B5EF4-FFF2-40B4-BE49-F238E27FC236}">
+                <a16:creationId xmlns:a16="http://schemas.microsoft.com/office/drawing/2014/main" id="{6DEAE934-DBB6-F9C7-E3D1-B8AC45D21D7B}"/>
+              </a:ext>
+            </a:extLst>
+          </p:cNvPr>
+          <p:cNvSpPr/>
+          <p:nvPr/>
+        </p:nvSpPr>
+        <p:spPr>
+          <a:xfrm>
+            <a:off x="4946871" y="3544232"/>
+            <a:ext cx="1956620" cy="639097"/>
+          </a:xfrm>
+          <a:prstGeom prst="ellipse">
+            <a:avLst/>
+          </a:prstGeom>
+          <a:noFill/>
+          <a:ln w="19050">
+            <a:solidFill>
+              <a:schemeClr val="tx1"/>
+            </a:solidFill>
+          </a:ln>
+        </p:spPr>
+        <p:style>
+          <a:lnRef idx="2">
+            <a:schemeClr val="accent1">
+              <a:shade val="15000"/>
+            </a:schemeClr>
+          </a:lnRef>
+          <a:fillRef idx="1">
+            <a:schemeClr val="accent1"/>
+          </a:fillRef>
+          <a:effectRef idx="0">
+            <a:schemeClr val="accent1"/>
+          </a:effectRef>
+          <a:fontRef idx="minor">
+            <a:schemeClr val="lt1"/>
+          </a:fontRef>
+        </p:style>
+        <p:txBody>
+          <a:bodyPr rtlCol="0" anchor="ctr"/>
+          <a:lstStyle/>
+          <a:p>
+            <a:pPr algn="ctr"/>
+            <a:r>
+              <a:rPr kumimoji="1" lang="ja-JP" altLang="en-US" sz="1400" dirty="0">
+                <a:solidFill>
+                  <a:schemeClr val="tx1"/>
+                </a:solidFill>
+              </a:rPr>
+              <a:t>ユーザー登録</a:t>
+            </a:r>
+            <a:endParaRPr kumimoji="1" lang="en-US" altLang="ja-JP" sz="1400" dirty="0">
+              <a:solidFill>
+                <a:schemeClr val="tx1"/>
+              </a:solidFill>
+            </a:endParaRPr>
+          </a:p>
+        </p:txBody>
+      </p:sp>
+      <p:sp>
+        <p:nvSpPr>
+          <p:cNvPr id="8" name="楕円 7">
+            <a:extLst>
+              <a:ext uri="{FF2B5EF4-FFF2-40B4-BE49-F238E27FC236}">
+                <a16:creationId xmlns:a16="http://schemas.microsoft.com/office/drawing/2014/main" id="{9422E01C-CA5B-DC1A-0809-05BC3BC81A4B}"/>
+              </a:ext>
+            </a:extLst>
+          </p:cNvPr>
+          <p:cNvSpPr/>
+          <p:nvPr/>
+        </p:nvSpPr>
+        <p:spPr>
+          <a:xfrm>
+            <a:off x="4946871" y="4205553"/>
+            <a:ext cx="1956620" cy="639097"/>
+          </a:xfrm>
+          <a:prstGeom prst="ellipse">
+            <a:avLst/>
+          </a:prstGeom>
+          <a:noFill/>
+          <a:ln w="19050">
+            <a:solidFill>
+              <a:schemeClr val="tx1"/>
+            </a:solidFill>
+          </a:ln>
+        </p:spPr>
+        <p:style>
+          <a:lnRef idx="2">
+            <a:schemeClr val="accent1">
+              <a:shade val="15000"/>
+            </a:schemeClr>
+          </a:lnRef>
+          <a:fillRef idx="1">
+            <a:schemeClr val="accent1"/>
+          </a:fillRef>
+          <a:effectRef idx="0">
+            <a:schemeClr val="accent1"/>
+          </a:effectRef>
+          <a:fontRef idx="minor">
+            <a:schemeClr val="lt1"/>
+          </a:fontRef>
+        </p:style>
+        <p:txBody>
+          <a:bodyPr rtlCol="0" anchor="ctr"/>
+          <a:lstStyle/>
+          <a:p>
+            <a:pPr algn="ctr"/>
+            <a:r>
+              <a:rPr kumimoji="1" lang="ja-JP" altLang="en-US" sz="1400" dirty="0">
+                <a:solidFill>
+                  <a:schemeClr val="tx1"/>
+                </a:solidFill>
+              </a:rPr>
+              <a:t>ユーザー登録情報の修正</a:t>
+            </a:r>
+            <a:endParaRPr kumimoji="1" lang="en-US" altLang="ja-JP" sz="1400" dirty="0">
+              <a:solidFill>
+                <a:schemeClr val="tx1"/>
+              </a:solidFill>
+            </a:endParaRPr>
+          </a:p>
+        </p:txBody>
+      </p:sp>
+      <p:sp>
+        <p:nvSpPr>
+          <p:cNvPr id="10" name="楕円 9">
+            <a:extLst>
+              <a:ext uri="{FF2B5EF4-FFF2-40B4-BE49-F238E27FC236}">
+                <a16:creationId xmlns:a16="http://schemas.microsoft.com/office/drawing/2014/main" id="{5AF0595D-55EC-02D0-D95D-09D1BCE18048}"/>
+              </a:ext>
+            </a:extLst>
+          </p:cNvPr>
+          <p:cNvSpPr/>
+          <p:nvPr/>
+        </p:nvSpPr>
+        <p:spPr>
+          <a:xfrm>
+            <a:off x="4946871" y="4935835"/>
+            <a:ext cx="1956620" cy="639097"/>
+          </a:xfrm>
+          <a:prstGeom prst="ellipse">
+            <a:avLst/>
+          </a:prstGeom>
+          <a:noFill/>
+          <a:ln w="19050">
+            <a:solidFill>
+              <a:schemeClr val="tx1"/>
+            </a:solidFill>
+          </a:ln>
+        </p:spPr>
+        <p:style>
+          <a:lnRef idx="2">
+            <a:schemeClr val="accent1">
+              <a:shade val="15000"/>
+            </a:schemeClr>
+          </a:lnRef>
+          <a:fillRef idx="1">
+            <a:schemeClr val="accent1"/>
+          </a:fillRef>
+          <a:effectRef idx="0">
+            <a:schemeClr val="accent1"/>
+          </a:effectRef>
+          <a:fontRef idx="minor">
+            <a:schemeClr val="lt1"/>
+          </a:fontRef>
+        </p:style>
+        <p:txBody>
+          <a:bodyPr rtlCol="0" anchor="ctr"/>
+          <a:lstStyle/>
+          <a:p>
+            <a:pPr algn="ctr"/>
+            <a:r>
+              <a:rPr kumimoji="1" lang="ja-JP" altLang="en-US" sz="1400" dirty="0">
+                <a:solidFill>
+                  <a:schemeClr val="tx1"/>
+                </a:solidFill>
+              </a:rPr>
+              <a:t>レビューの</a:t>
+            </a:r>
+            <a:endParaRPr kumimoji="1" lang="en-US" altLang="ja-JP" sz="1400" dirty="0">
+              <a:solidFill>
+                <a:schemeClr val="tx1"/>
+              </a:solidFill>
+            </a:endParaRPr>
+          </a:p>
+          <a:p>
+            <a:pPr algn="ctr"/>
+            <a:r>
+              <a:rPr lang="ja-JP" altLang="en-US" sz="1400" dirty="0">
+                <a:solidFill>
+                  <a:schemeClr val="tx1"/>
+                </a:solidFill>
+              </a:rPr>
+              <a:t>確認</a:t>
+            </a:r>
+            <a:endParaRPr kumimoji="1" lang="en-US" altLang="ja-JP" sz="1400" dirty="0">
+              <a:solidFill>
+                <a:schemeClr val="tx1"/>
+              </a:solidFill>
+            </a:endParaRPr>
+          </a:p>
+        </p:txBody>
+      </p:sp>
+      <p:sp>
+        <p:nvSpPr>
+          <p:cNvPr id="11" name="楕円 10">
+            <a:extLst>
+              <a:ext uri="{FF2B5EF4-FFF2-40B4-BE49-F238E27FC236}">
+                <a16:creationId xmlns:a16="http://schemas.microsoft.com/office/drawing/2014/main" id="{21D051E6-C456-25F1-F54E-129BCAC92B0A}"/>
+              </a:ext>
+            </a:extLst>
+          </p:cNvPr>
+          <p:cNvSpPr/>
+          <p:nvPr/>
+        </p:nvSpPr>
+        <p:spPr>
+          <a:xfrm>
+            <a:off x="4946871" y="5597177"/>
+            <a:ext cx="1956620" cy="639097"/>
+          </a:xfrm>
+          <a:prstGeom prst="ellipse">
+            <a:avLst/>
+          </a:prstGeom>
+          <a:noFill/>
+          <a:ln w="19050">
+            <a:solidFill>
+              <a:schemeClr val="tx1"/>
+            </a:solidFill>
+          </a:ln>
+        </p:spPr>
+        <p:style>
+          <a:lnRef idx="2">
+            <a:schemeClr val="accent1">
+              <a:shade val="15000"/>
+            </a:schemeClr>
+          </a:lnRef>
+          <a:fillRef idx="1">
+            <a:schemeClr val="accent1"/>
+          </a:fillRef>
+          <a:effectRef idx="0">
+            <a:schemeClr val="accent1"/>
+          </a:effectRef>
+          <a:fontRef idx="minor">
+            <a:schemeClr val="lt1"/>
+          </a:fontRef>
+        </p:style>
+        <p:txBody>
+          <a:bodyPr rtlCol="0" anchor="ctr"/>
+          <a:lstStyle/>
+          <a:p>
+            <a:pPr algn="ctr"/>
+            <a:r>
+              <a:rPr kumimoji="1" lang="ja-JP" altLang="en-US" sz="1400" dirty="0">
+                <a:solidFill>
+                  <a:schemeClr val="tx1"/>
+                </a:solidFill>
+              </a:rPr>
+              <a:t>貸出履歴の</a:t>
+            </a:r>
+            <a:endParaRPr kumimoji="1" lang="en-US" altLang="ja-JP" sz="1400" dirty="0">
+              <a:solidFill>
+                <a:schemeClr val="tx1"/>
+              </a:solidFill>
+            </a:endParaRPr>
+          </a:p>
+          <a:p>
+            <a:pPr algn="ctr"/>
+            <a:r>
+              <a:rPr kumimoji="1" lang="ja-JP" altLang="en-US" sz="1400" dirty="0">
+                <a:solidFill>
+                  <a:schemeClr val="tx1"/>
+                </a:solidFill>
+              </a:rPr>
+              <a:t>確認</a:t>
+            </a:r>
+            <a:endParaRPr kumimoji="1" lang="en-US" altLang="ja-JP" sz="1400" dirty="0">
+              <a:solidFill>
+                <a:schemeClr val="tx1"/>
+              </a:solidFill>
+            </a:endParaRPr>
+          </a:p>
+        </p:txBody>
+      </p:sp>
+      <p:cxnSp>
+        <p:nvCxnSpPr>
+          <p:cNvPr id="16" name="直線コネクタ 15">
+            <a:extLst>
+              <a:ext uri="{FF2B5EF4-FFF2-40B4-BE49-F238E27FC236}">
+                <a16:creationId xmlns:a16="http://schemas.microsoft.com/office/drawing/2014/main" id="{2C727485-FAA1-7DD9-F019-6BDC6CC5E7EF}"/>
+              </a:ext>
+            </a:extLst>
+          </p:cNvPr>
+          <p:cNvCxnSpPr>
+            <a:cxnSpLocks/>
+            <a:endCxn id="2" idx="2"/>
+          </p:cNvCxnSpPr>
+          <p:nvPr/>
+        </p:nvCxnSpPr>
+        <p:spPr>
+          <a:xfrm flipV="1">
+            <a:off x="2767479" y="1389496"/>
+            <a:ext cx="2249575" cy="1362239"/>
+          </a:xfrm>
+          <a:prstGeom prst="line">
+            <a:avLst/>
+          </a:prstGeom>
+          <a:ln w="19050"/>
         </p:spPr>
         <p:style>
           <a:lnRef idx="1">
@@ -4157,32 +4493,27 @@
       </p:cxnSp>
       <p:cxnSp>
         <p:nvCxnSpPr>
-          <p:cNvPr id="68" name="直線コネクタ 67">
-            <a:extLst>
-              <a:ext uri="{FF2B5EF4-FFF2-40B4-BE49-F238E27FC236}">
-                <a16:creationId xmlns:a16="http://schemas.microsoft.com/office/drawing/2014/main" id="{79031384-DA19-5F6A-4CA3-0ECE5D87C70C}"/>
+          <p:cNvPr id="19" name="直線コネクタ 18">
+            <a:extLst>
+              <a:ext uri="{FF2B5EF4-FFF2-40B4-BE49-F238E27FC236}">
+                <a16:creationId xmlns:a16="http://schemas.microsoft.com/office/drawing/2014/main" id="{E08B670E-C654-739D-AA51-B23B861D4362}"/>
               </a:ext>
             </a:extLst>
           </p:cNvPr>
           <p:cNvCxnSpPr>
-            <a:cxnSpLocks/>
-            <a:stCxn id="44" idx="3"/>
+            <a:endCxn id="3" idx="2"/>
           </p:cNvCxnSpPr>
           <p:nvPr/>
         </p:nvCxnSpPr>
         <p:spPr>
-          <a:xfrm>
-            <a:off x="9100126" y="3076795"/>
-            <a:ext cx="2002951" cy="17909"/>
+          <a:xfrm flipV="1">
+            <a:off x="2746739" y="2241817"/>
+            <a:ext cx="1190941" cy="527240"/>
           </a:xfrm>
           <a:prstGeom prst="line">
             <a:avLst/>
           </a:prstGeom>
-          <a:ln w="19050">
-            <a:solidFill>
-              <a:schemeClr val="tx1"/>
-            </a:solidFill>
-          </a:ln>
+          <a:ln w="19050"/>
         </p:spPr>
         <p:style>
           <a:lnRef idx="1">
@@ -4199,86 +4530,24 @@
           </a:fontRef>
         </p:style>
       </p:cxnSp>
-      <p:sp>
-        <p:nvSpPr>
-          <p:cNvPr id="84" name="正方形/長方形 83">
-            <a:extLst>
-              <a:ext uri="{FF2B5EF4-FFF2-40B4-BE49-F238E27FC236}">
-                <a16:creationId xmlns:a16="http://schemas.microsoft.com/office/drawing/2014/main" id="{D56977BA-DF74-5A8D-78CB-BE9E12796543}"/>
-              </a:ext>
-            </a:extLst>
-          </p:cNvPr>
-          <p:cNvSpPr/>
-          <p:nvPr/>
-        </p:nvSpPr>
-        <p:spPr>
-          <a:xfrm>
-            <a:off x="5727662" y="3616761"/>
-            <a:ext cx="3372464" cy="639097"/>
-          </a:xfrm>
-          <a:prstGeom prst="rect">
-            <a:avLst/>
-          </a:prstGeom>
-          <a:ln w="19050">
-            <a:solidFill>
-              <a:schemeClr val="tx1"/>
-            </a:solidFill>
-          </a:ln>
-        </p:spPr>
-        <p:style>
-          <a:lnRef idx="2">
-            <a:schemeClr val="accent6"/>
-          </a:lnRef>
-          <a:fillRef idx="1">
-            <a:schemeClr val="lt1"/>
-          </a:fillRef>
-          <a:effectRef idx="0">
-            <a:schemeClr val="accent6"/>
-          </a:effectRef>
-          <a:fontRef idx="minor">
-            <a:schemeClr val="dk1"/>
-          </a:fontRef>
-        </p:style>
-        <p:txBody>
-          <a:bodyPr rtlCol="0" anchor="ctr"/>
-          <a:lstStyle/>
-          <a:p>
-            <a:pPr algn="ctr"/>
-            <a:r>
-              <a:rPr lang="ja-JP" altLang="en-US" dirty="0">
-                <a:ln w="28575">
-                  <a:noFill/>
-                </a:ln>
-              </a:rPr>
-              <a:t>ユーザー情報の管理</a:t>
-            </a:r>
-            <a:endParaRPr lang="en-US" altLang="ja-JP" dirty="0">
-              <a:ln w="28575">
-                <a:noFill/>
-              </a:ln>
-            </a:endParaRPr>
-          </a:p>
-        </p:txBody>
-      </p:sp>
       <p:cxnSp>
         <p:nvCxnSpPr>
-          <p:cNvPr id="88" name="直線コネクタ 87">
-            <a:extLst>
-              <a:ext uri="{FF2B5EF4-FFF2-40B4-BE49-F238E27FC236}">
-                <a16:creationId xmlns:a16="http://schemas.microsoft.com/office/drawing/2014/main" id="{77F069AA-CFFC-AC76-092E-8E7938CB6C02}"/>
+          <p:cNvPr id="21" name="直線コネクタ 20">
+            <a:extLst>
+              <a:ext uri="{FF2B5EF4-FFF2-40B4-BE49-F238E27FC236}">
+                <a16:creationId xmlns:a16="http://schemas.microsoft.com/office/drawing/2014/main" id="{2E13448A-9342-66CD-1378-326B5AA668A4}"/>
               </a:ext>
             </a:extLst>
           </p:cNvPr>
           <p:cNvCxnSpPr>
-            <a:cxnSpLocks/>
-            <a:stCxn id="84" idx="3"/>
+            <a:endCxn id="6" idx="2"/>
           </p:cNvCxnSpPr>
           <p:nvPr/>
         </p:nvCxnSpPr>
         <p:spPr>
-          <a:xfrm flipV="1">
-            <a:off x="9100126" y="3103149"/>
-            <a:ext cx="2002951" cy="833161"/>
+          <a:xfrm>
+            <a:off x="2746739" y="2760407"/>
+            <a:ext cx="1190941" cy="142731"/>
           </a:xfrm>
           <a:prstGeom prst="line">
             <a:avLst/>
@@ -4304,131 +4573,30 @@
           </a:fontRef>
         </p:style>
       </p:cxnSp>
-      <p:sp>
-        <p:nvSpPr>
-          <p:cNvPr id="97" name="正方形/長方形 96">
-            <a:extLst>
-              <a:ext uri="{FF2B5EF4-FFF2-40B4-BE49-F238E27FC236}">
-                <a16:creationId xmlns:a16="http://schemas.microsoft.com/office/drawing/2014/main" id="{034B18BA-80B7-AAAE-BA75-8690410DD81D}"/>
-              </a:ext>
-            </a:extLst>
-          </p:cNvPr>
-          <p:cNvSpPr/>
-          <p:nvPr/>
-        </p:nvSpPr>
-        <p:spPr>
-          <a:xfrm>
-            <a:off x="1782590" y="237925"/>
-            <a:ext cx="3372464" cy="639097"/>
-          </a:xfrm>
-          <a:prstGeom prst="rect">
-            <a:avLst/>
-          </a:prstGeom>
-          <a:ln w="19050">
-            <a:solidFill>
-              <a:schemeClr val="tx1"/>
-            </a:solidFill>
-          </a:ln>
-        </p:spPr>
-        <p:style>
-          <a:lnRef idx="2">
-            <a:schemeClr val="accent6"/>
-          </a:lnRef>
-          <a:fillRef idx="1">
-            <a:schemeClr val="lt1"/>
-          </a:fillRef>
-          <a:effectRef idx="0">
-            <a:schemeClr val="accent6"/>
-          </a:effectRef>
-          <a:fontRef idx="minor">
-            <a:schemeClr val="dk1"/>
-          </a:fontRef>
-        </p:style>
-        <p:txBody>
-          <a:bodyPr rtlCol="0" anchor="ctr"/>
-          <a:lstStyle/>
-          <a:p>
-            <a:pPr algn="ctr"/>
-            <a:r>
-              <a:rPr kumimoji="1" lang="ja-JP" altLang="en-US" dirty="0">
-                <a:ln w="28575">
-                  <a:noFill/>
-                </a:ln>
-              </a:rPr>
-              <a:t>図書の検索</a:t>
-            </a:r>
-            <a:endParaRPr lang="en-US" altLang="ja-JP" dirty="0">
-              <a:ln w="28575">
-                <a:noFill/>
-              </a:ln>
-            </a:endParaRPr>
-          </a:p>
-        </p:txBody>
-      </p:sp>
-      <p:sp>
-        <p:nvSpPr>
-          <p:cNvPr id="98" name="テキスト ボックス 97">
-            <a:extLst>
-              <a:ext uri="{FF2B5EF4-FFF2-40B4-BE49-F238E27FC236}">
-                <a16:creationId xmlns:a16="http://schemas.microsoft.com/office/drawing/2014/main" id="{EA61622F-A3EC-9C29-6E94-A6B11A32F0CE}"/>
-              </a:ext>
-            </a:extLst>
-          </p:cNvPr>
-          <p:cNvSpPr txBox="1"/>
-          <p:nvPr/>
-        </p:nvSpPr>
-        <p:spPr>
-          <a:xfrm>
-            <a:off x="3161343" y="1011811"/>
-            <a:ext cx="1189701" cy="276999"/>
-          </a:xfrm>
-          <a:prstGeom prst="rect">
-            <a:avLst/>
-          </a:prstGeom>
-          <a:noFill/>
-        </p:spPr>
-        <p:txBody>
-          <a:bodyPr wrap="square" rtlCol="0">
-            <a:spAutoFit/>
-          </a:bodyPr>
-          <a:lstStyle/>
-          <a:p>
-            <a:r>
-              <a:rPr kumimoji="1" lang="en-US" altLang="ja-JP" sz="1200" dirty="0"/>
-              <a:t>&lt;&lt;include&gt;&gt;</a:t>
-            </a:r>
-            <a:endParaRPr kumimoji="1" lang="ja-JP" altLang="en-US" sz="1200" dirty="0"/>
-          </a:p>
-        </p:txBody>
-      </p:sp>
       <p:cxnSp>
         <p:nvCxnSpPr>
-          <p:cNvPr id="106" name="直線コネクタ 105">
-            <a:extLst>
-              <a:ext uri="{FF2B5EF4-FFF2-40B4-BE49-F238E27FC236}">
-                <a16:creationId xmlns:a16="http://schemas.microsoft.com/office/drawing/2014/main" id="{453B7F01-1899-EB8A-59F8-A7F354BB4595}"/>
+          <p:cNvPr id="24" name="直線コネクタ 23">
+            <a:extLst>
+              <a:ext uri="{FF2B5EF4-FFF2-40B4-BE49-F238E27FC236}">
+                <a16:creationId xmlns:a16="http://schemas.microsoft.com/office/drawing/2014/main" id="{341A6C44-C918-ADBD-B75F-65E317679A5A}"/>
               </a:ext>
             </a:extLst>
           </p:cNvPr>
           <p:cNvCxnSpPr>
             <a:cxnSpLocks/>
-            <a:endCxn id="97" idx="2"/>
+            <a:endCxn id="7" idx="2"/>
           </p:cNvCxnSpPr>
           <p:nvPr/>
         </p:nvCxnSpPr>
         <p:spPr>
-          <a:xfrm flipV="1">
-            <a:off x="2972338" y="877022"/>
-            <a:ext cx="496484" cy="527972"/>
+          <a:xfrm>
+            <a:off x="2746739" y="2758289"/>
+            <a:ext cx="2200132" cy="1105492"/>
           </a:xfrm>
           <a:prstGeom prst="line">
             <a:avLst/>
           </a:prstGeom>
-          <a:ln w="19050">
-            <a:solidFill>
-              <a:schemeClr val="tx1"/>
-            </a:solidFill>
-          </a:ln>
+          <a:ln w="19050"/>
         </p:spPr>
         <p:style>
           <a:lnRef idx="1">
@@ -4445,12 +4613,522 @@
           </a:fontRef>
         </p:style>
       </p:cxnSp>
-      <p:sp>
-        <p:nvSpPr>
-          <p:cNvPr id="4" name="正方形/長方形 3">
-            <a:extLst>
-              <a:ext uri="{FF2B5EF4-FFF2-40B4-BE49-F238E27FC236}">
-                <a16:creationId xmlns:a16="http://schemas.microsoft.com/office/drawing/2014/main" id="{C795586F-B4C2-749C-6FB9-7CD4CF67E126}"/>
+      <p:cxnSp>
+        <p:nvCxnSpPr>
+          <p:cNvPr id="26" name="直線コネクタ 25">
+            <a:extLst>
+              <a:ext uri="{FF2B5EF4-FFF2-40B4-BE49-F238E27FC236}">
+                <a16:creationId xmlns:a16="http://schemas.microsoft.com/office/drawing/2014/main" id="{3733FF50-7925-1DA5-8C68-36235E3ECD62}"/>
+              </a:ext>
+            </a:extLst>
+          </p:cNvPr>
+          <p:cNvCxnSpPr>
+            <a:endCxn id="8" idx="2"/>
+          </p:cNvCxnSpPr>
+          <p:nvPr/>
+        </p:nvCxnSpPr>
+        <p:spPr>
+          <a:xfrm>
+            <a:off x="2753840" y="2758289"/>
+            <a:ext cx="2193031" cy="1766813"/>
+          </a:xfrm>
+          <a:prstGeom prst="line">
+            <a:avLst/>
+          </a:prstGeom>
+          <a:ln w="19050"/>
+        </p:spPr>
+        <p:style>
+          <a:lnRef idx="1">
+            <a:schemeClr val="dk1"/>
+          </a:lnRef>
+          <a:fillRef idx="0">
+            <a:schemeClr val="dk1"/>
+          </a:fillRef>
+          <a:effectRef idx="0">
+            <a:schemeClr val="dk1"/>
+          </a:effectRef>
+          <a:fontRef idx="minor">
+            <a:schemeClr val="tx1"/>
+          </a:fontRef>
+        </p:style>
+      </p:cxnSp>
+      <p:cxnSp>
+        <p:nvCxnSpPr>
+          <p:cNvPr id="28" name="直線コネクタ 27">
+            <a:extLst>
+              <a:ext uri="{FF2B5EF4-FFF2-40B4-BE49-F238E27FC236}">
+                <a16:creationId xmlns:a16="http://schemas.microsoft.com/office/drawing/2014/main" id="{B809DB50-82CC-DE46-4CA3-701978FEE794}"/>
+              </a:ext>
+            </a:extLst>
+          </p:cNvPr>
+          <p:cNvCxnSpPr>
+            <a:endCxn id="10" idx="2"/>
+          </p:cNvCxnSpPr>
+          <p:nvPr/>
+        </p:nvCxnSpPr>
+        <p:spPr>
+          <a:xfrm>
+            <a:off x="2746739" y="2765330"/>
+            <a:ext cx="2200132" cy="2490054"/>
+          </a:xfrm>
+          <a:prstGeom prst="line">
+            <a:avLst/>
+          </a:prstGeom>
+          <a:ln w="19050">
+            <a:solidFill>
+              <a:schemeClr val="tx1"/>
+            </a:solidFill>
+          </a:ln>
+        </p:spPr>
+        <p:style>
+          <a:lnRef idx="1">
+            <a:schemeClr val="accent1"/>
+          </a:lnRef>
+          <a:fillRef idx="0">
+            <a:schemeClr val="accent1"/>
+          </a:fillRef>
+          <a:effectRef idx="0">
+            <a:schemeClr val="accent1"/>
+          </a:effectRef>
+          <a:fontRef idx="minor">
+            <a:schemeClr val="tx1"/>
+          </a:fontRef>
+        </p:style>
+      </p:cxnSp>
+      <p:cxnSp>
+        <p:nvCxnSpPr>
+          <p:cNvPr id="30" name="直線コネクタ 29">
+            <a:extLst>
+              <a:ext uri="{FF2B5EF4-FFF2-40B4-BE49-F238E27FC236}">
+                <a16:creationId xmlns:a16="http://schemas.microsoft.com/office/drawing/2014/main" id="{2AD86A90-5401-2AA9-8758-1FBE50F98F63}"/>
+              </a:ext>
+            </a:extLst>
+          </p:cNvPr>
+          <p:cNvCxnSpPr>
+            <a:cxnSpLocks/>
+            <a:endCxn id="11" idx="2"/>
+          </p:cNvCxnSpPr>
+          <p:nvPr/>
+        </p:nvCxnSpPr>
+        <p:spPr>
+          <a:xfrm>
+            <a:off x="2753840" y="2773980"/>
+            <a:ext cx="2193031" cy="3142746"/>
+          </a:xfrm>
+          <a:prstGeom prst="line">
+            <a:avLst/>
+          </a:prstGeom>
+          <a:ln w="19050">
+            <a:solidFill>
+              <a:schemeClr val="tx1"/>
+            </a:solidFill>
+          </a:ln>
+        </p:spPr>
+        <p:style>
+          <a:lnRef idx="1">
+            <a:schemeClr val="accent1"/>
+          </a:lnRef>
+          <a:fillRef idx="0">
+            <a:schemeClr val="accent1"/>
+          </a:fillRef>
+          <a:effectRef idx="0">
+            <a:schemeClr val="accent1"/>
+          </a:effectRef>
+          <a:fontRef idx="minor">
+            <a:schemeClr val="tx1"/>
+          </a:fontRef>
+        </p:style>
+      </p:cxnSp>
+      <p:pic>
+        <p:nvPicPr>
+          <p:cNvPr id="39" name="グラフィックス 38" descr="男性 単色塗りつぶし">
+            <a:extLst>
+              <a:ext uri="{FF2B5EF4-FFF2-40B4-BE49-F238E27FC236}">
+                <a16:creationId xmlns:a16="http://schemas.microsoft.com/office/drawing/2014/main" id="{B25D1E3C-0E56-BFC1-107C-182553963DF3}"/>
+              </a:ext>
+            </a:extLst>
+          </p:cNvPr>
+          <p:cNvPicPr>
+            <a:picLocks noChangeAspect="1"/>
+          </p:cNvPicPr>
+          <p:nvPr/>
+        </p:nvPicPr>
+        <p:blipFill>
+          <a:blip r:embed="rId2">
+            <a:extLst>
+              <a:ext uri="{28A0092B-C50C-407E-A947-70E740481C1C}">
+                <a14:useLocalDpi xmlns:a14="http://schemas.microsoft.com/office/drawing/2010/main" val="0"/>
+              </a:ext>
+              <a:ext uri="{96DAC541-7B7A-43D3-8B79-37D633B846F1}">
+                <asvg:svgBlip xmlns:asvg="http://schemas.microsoft.com/office/drawing/2016/SVG/main" r:embed="rId3"/>
+              </a:ext>
+            </a:extLst>
+          </a:blip>
+          <a:stretch>
+            <a:fillRect/>
+          </a:stretch>
+        </p:blipFill>
+        <p:spPr>
+          <a:xfrm>
+            <a:off x="8985196" y="2241817"/>
+            <a:ext cx="914400" cy="914400"/>
+          </a:xfrm>
+          <a:prstGeom prst="rect">
+            <a:avLst/>
+          </a:prstGeom>
+        </p:spPr>
+      </p:pic>
+      <p:sp>
+        <p:nvSpPr>
+          <p:cNvPr id="42" name="テキスト ボックス 41">
+            <a:extLst>
+              <a:ext uri="{FF2B5EF4-FFF2-40B4-BE49-F238E27FC236}">
+                <a16:creationId xmlns:a16="http://schemas.microsoft.com/office/drawing/2014/main" id="{EEE7A3D5-F5D9-C3AA-E8C2-9F944415D84D}"/>
+              </a:ext>
+            </a:extLst>
+          </p:cNvPr>
+          <p:cNvSpPr txBox="1"/>
+          <p:nvPr/>
+        </p:nvSpPr>
+        <p:spPr>
+          <a:xfrm>
+            <a:off x="8964456" y="3123207"/>
+            <a:ext cx="1017638" cy="307777"/>
+          </a:xfrm>
+          <a:prstGeom prst="rect">
+            <a:avLst/>
+          </a:prstGeom>
+          <a:noFill/>
+        </p:spPr>
+        <p:txBody>
+          <a:bodyPr wrap="square" rtlCol="0">
+            <a:spAutoFit/>
+          </a:bodyPr>
+          <a:lstStyle/>
+          <a:p>
+            <a:pPr algn="ctr"/>
+            <a:r>
+              <a:rPr kumimoji="1" lang="ja-JP" altLang="en-US" sz="1400" dirty="0"/>
+              <a:t>管理者</a:t>
+            </a:r>
+          </a:p>
+        </p:txBody>
+      </p:sp>
+      <p:cxnSp>
+        <p:nvCxnSpPr>
+          <p:cNvPr id="45" name="直線コネクタ 44">
+            <a:extLst>
+              <a:ext uri="{FF2B5EF4-FFF2-40B4-BE49-F238E27FC236}">
+                <a16:creationId xmlns:a16="http://schemas.microsoft.com/office/drawing/2014/main" id="{EF12B726-2593-A753-40CF-C80A91BEB005}"/>
+              </a:ext>
+            </a:extLst>
+          </p:cNvPr>
+          <p:cNvCxnSpPr>
+            <a:cxnSpLocks/>
+            <a:endCxn id="2" idx="6"/>
+          </p:cNvCxnSpPr>
+          <p:nvPr/>
+        </p:nvCxnSpPr>
+        <p:spPr>
+          <a:xfrm flipH="1" flipV="1">
+            <a:off x="6973674" y="1389496"/>
+            <a:ext cx="2011522" cy="1274760"/>
+          </a:xfrm>
+          <a:prstGeom prst="line">
+            <a:avLst/>
+          </a:prstGeom>
+          <a:ln w="19050">
+            <a:solidFill>
+              <a:schemeClr val="tx1"/>
+            </a:solidFill>
+          </a:ln>
+        </p:spPr>
+        <p:style>
+          <a:lnRef idx="1">
+            <a:schemeClr val="accent1"/>
+          </a:lnRef>
+          <a:fillRef idx="0">
+            <a:schemeClr val="accent1"/>
+          </a:fillRef>
+          <a:effectRef idx="0">
+            <a:schemeClr val="accent1"/>
+          </a:effectRef>
+          <a:fontRef idx="minor">
+            <a:schemeClr val="tx1"/>
+          </a:fontRef>
+        </p:style>
+      </p:cxnSp>
+      <p:cxnSp>
+        <p:nvCxnSpPr>
+          <p:cNvPr id="48" name="直線コネクタ 47">
+            <a:extLst>
+              <a:ext uri="{FF2B5EF4-FFF2-40B4-BE49-F238E27FC236}">
+                <a16:creationId xmlns:a16="http://schemas.microsoft.com/office/drawing/2014/main" id="{F11DE616-200D-0A45-C8D1-D14DA25C258E}"/>
+              </a:ext>
+            </a:extLst>
+          </p:cNvPr>
+          <p:cNvCxnSpPr>
+            <a:cxnSpLocks/>
+            <a:endCxn id="12" idx="6"/>
+          </p:cNvCxnSpPr>
+          <p:nvPr/>
+        </p:nvCxnSpPr>
+        <p:spPr>
+          <a:xfrm flipH="1">
+            <a:off x="8070796" y="2664256"/>
+            <a:ext cx="914400" cy="0"/>
+          </a:xfrm>
+          <a:prstGeom prst="line">
+            <a:avLst/>
+          </a:prstGeom>
+          <a:ln w="19050">
+            <a:solidFill>
+              <a:schemeClr val="tx1"/>
+            </a:solidFill>
+          </a:ln>
+        </p:spPr>
+        <p:style>
+          <a:lnRef idx="1">
+            <a:schemeClr val="accent1"/>
+          </a:lnRef>
+          <a:fillRef idx="0">
+            <a:schemeClr val="accent1"/>
+          </a:fillRef>
+          <a:effectRef idx="0">
+            <a:schemeClr val="accent1"/>
+          </a:effectRef>
+          <a:fontRef idx="minor">
+            <a:schemeClr val="tx1"/>
+          </a:fontRef>
+        </p:style>
+      </p:cxnSp>
+      <p:cxnSp>
+        <p:nvCxnSpPr>
+          <p:cNvPr id="51" name="直線コネクタ 50">
+            <a:extLst>
+              <a:ext uri="{FF2B5EF4-FFF2-40B4-BE49-F238E27FC236}">
+                <a16:creationId xmlns:a16="http://schemas.microsoft.com/office/drawing/2014/main" id="{F8554859-F2A4-4CC1-09EC-8A62DE6E6DDD}"/>
+              </a:ext>
+            </a:extLst>
+          </p:cNvPr>
+          <p:cNvCxnSpPr>
+            <a:cxnSpLocks/>
+            <a:endCxn id="13" idx="6"/>
+          </p:cNvCxnSpPr>
+          <p:nvPr/>
+        </p:nvCxnSpPr>
+        <p:spPr>
+          <a:xfrm flipH="1">
+            <a:off x="8070796" y="2664256"/>
+            <a:ext cx="914400" cy="644108"/>
+          </a:xfrm>
+          <a:prstGeom prst="line">
+            <a:avLst/>
+          </a:prstGeom>
+          <a:ln w="19050">
+            <a:solidFill>
+              <a:schemeClr val="tx1"/>
+            </a:solidFill>
+          </a:ln>
+        </p:spPr>
+        <p:style>
+          <a:lnRef idx="1">
+            <a:schemeClr val="accent1"/>
+          </a:lnRef>
+          <a:fillRef idx="0">
+            <a:schemeClr val="accent1"/>
+          </a:fillRef>
+          <a:effectRef idx="0">
+            <a:schemeClr val="accent1"/>
+          </a:effectRef>
+          <a:fontRef idx="minor">
+            <a:schemeClr val="tx1"/>
+          </a:fontRef>
+        </p:style>
+      </p:cxnSp>
+      <p:cxnSp>
+        <p:nvCxnSpPr>
+          <p:cNvPr id="22" name="直線コネクタ 21">
+            <a:extLst>
+              <a:ext uri="{FF2B5EF4-FFF2-40B4-BE49-F238E27FC236}">
+                <a16:creationId xmlns:a16="http://schemas.microsoft.com/office/drawing/2014/main" id="{8FDE08C5-EE2E-8302-0EF4-D9F66848965B}"/>
+              </a:ext>
+            </a:extLst>
+          </p:cNvPr>
+          <p:cNvCxnSpPr>
+            <a:cxnSpLocks/>
+            <a:endCxn id="10" idx="6"/>
+          </p:cNvCxnSpPr>
+          <p:nvPr/>
+        </p:nvCxnSpPr>
+        <p:spPr>
+          <a:xfrm flipH="1">
+            <a:off x="6903491" y="2664256"/>
+            <a:ext cx="2081705" cy="2591128"/>
+          </a:xfrm>
+          <a:prstGeom prst="line">
+            <a:avLst/>
+          </a:prstGeom>
+          <a:ln w="19050">
+            <a:solidFill>
+              <a:schemeClr val="tx1"/>
+            </a:solidFill>
+          </a:ln>
+        </p:spPr>
+        <p:style>
+          <a:lnRef idx="1">
+            <a:schemeClr val="accent1"/>
+          </a:lnRef>
+          <a:fillRef idx="0">
+            <a:schemeClr val="accent1"/>
+          </a:fillRef>
+          <a:effectRef idx="0">
+            <a:schemeClr val="accent1"/>
+          </a:effectRef>
+          <a:fontRef idx="minor">
+            <a:schemeClr val="tx1"/>
+          </a:fontRef>
+        </p:style>
+      </p:cxnSp>
+      <p:cxnSp>
+        <p:nvCxnSpPr>
+          <p:cNvPr id="27" name="直線コネクタ 26">
+            <a:extLst>
+              <a:ext uri="{FF2B5EF4-FFF2-40B4-BE49-F238E27FC236}">
+                <a16:creationId xmlns:a16="http://schemas.microsoft.com/office/drawing/2014/main" id="{8287F7EC-D922-E839-FC15-73122D19296E}"/>
+              </a:ext>
+            </a:extLst>
+          </p:cNvPr>
+          <p:cNvCxnSpPr>
+            <a:cxnSpLocks/>
+            <a:endCxn id="11" idx="6"/>
+          </p:cNvCxnSpPr>
+          <p:nvPr/>
+        </p:nvCxnSpPr>
+        <p:spPr>
+          <a:xfrm flipH="1">
+            <a:off x="6903491" y="2664256"/>
+            <a:ext cx="2081705" cy="3252470"/>
+          </a:xfrm>
+          <a:prstGeom prst="line">
+            <a:avLst/>
+          </a:prstGeom>
+          <a:ln w="19050">
+            <a:solidFill>
+              <a:schemeClr val="tx1"/>
+            </a:solidFill>
+          </a:ln>
+        </p:spPr>
+        <p:style>
+          <a:lnRef idx="1">
+            <a:schemeClr val="accent1"/>
+          </a:lnRef>
+          <a:fillRef idx="0">
+            <a:schemeClr val="accent1"/>
+          </a:fillRef>
+          <a:effectRef idx="0">
+            <a:schemeClr val="accent1"/>
+          </a:effectRef>
+          <a:fontRef idx="minor">
+            <a:schemeClr val="tx1"/>
+          </a:fontRef>
+        </p:style>
+      </p:cxnSp>
+      <p:cxnSp>
+        <p:nvCxnSpPr>
+          <p:cNvPr id="14" name="直線コネクタ 13">
+            <a:extLst>
+              <a:ext uri="{FF2B5EF4-FFF2-40B4-BE49-F238E27FC236}">
+                <a16:creationId xmlns:a16="http://schemas.microsoft.com/office/drawing/2014/main" id="{3C77E885-147D-09F6-94C9-32E8F30B4146}"/>
+              </a:ext>
+            </a:extLst>
+          </p:cNvPr>
+          <p:cNvCxnSpPr>
+            <a:cxnSpLocks/>
+            <a:endCxn id="9" idx="6"/>
+          </p:cNvCxnSpPr>
+          <p:nvPr/>
+        </p:nvCxnSpPr>
+        <p:spPr>
+          <a:xfrm flipH="1" flipV="1">
+            <a:off x="8070796" y="2166543"/>
+            <a:ext cx="914400" cy="497713"/>
+          </a:xfrm>
+          <a:prstGeom prst="line">
+            <a:avLst/>
+          </a:prstGeom>
+          <a:ln w="19050">
+            <a:solidFill>
+              <a:schemeClr val="tx1"/>
+            </a:solidFill>
+          </a:ln>
+        </p:spPr>
+        <p:style>
+          <a:lnRef idx="1">
+            <a:schemeClr val="accent1"/>
+          </a:lnRef>
+          <a:fillRef idx="0">
+            <a:schemeClr val="accent1"/>
+          </a:fillRef>
+          <a:effectRef idx="0">
+            <a:schemeClr val="accent1"/>
+          </a:effectRef>
+          <a:fontRef idx="minor">
+            <a:schemeClr val="tx1"/>
+          </a:fontRef>
+        </p:style>
+      </p:cxnSp>
+      <p:cxnSp>
+        <p:nvCxnSpPr>
+          <p:cNvPr id="33" name="直線コネクタ 32">
+            <a:extLst>
+              <a:ext uri="{FF2B5EF4-FFF2-40B4-BE49-F238E27FC236}">
+                <a16:creationId xmlns:a16="http://schemas.microsoft.com/office/drawing/2014/main" id="{EDE3FD4B-8C56-A1C5-1A30-F05B6CEE53AB}"/>
+              </a:ext>
+            </a:extLst>
+          </p:cNvPr>
+          <p:cNvCxnSpPr>
+            <a:cxnSpLocks/>
+            <a:stCxn id="36" idx="2"/>
+            <a:endCxn id="9" idx="0"/>
+          </p:cNvCxnSpPr>
+          <p:nvPr/>
+        </p:nvCxnSpPr>
+        <p:spPr>
+          <a:xfrm flipH="1">
+            <a:off x="7092486" y="1107253"/>
+            <a:ext cx="2117554" cy="816574"/>
+          </a:xfrm>
+          <a:prstGeom prst="line">
+            <a:avLst/>
+          </a:prstGeom>
+          <a:ln w="19050">
+            <a:solidFill>
+              <a:schemeClr val="tx1"/>
+            </a:solidFill>
+          </a:ln>
+        </p:spPr>
+        <p:style>
+          <a:lnRef idx="1">
+            <a:schemeClr val="accent1"/>
+          </a:lnRef>
+          <a:fillRef idx="0">
+            <a:schemeClr val="accent1"/>
+          </a:fillRef>
+          <a:effectRef idx="0">
+            <a:schemeClr val="accent1"/>
+          </a:effectRef>
+          <a:fontRef idx="minor">
+            <a:schemeClr val="tx1"/>
+          </a:fontRef>
+        </p:style>
+      </p:cxnSp>
+      <p:sp>
+        <p:nvSpPr>
+          <p:cNvPr id="36" name="楕円 35">
+            <a:extLst>
+              <a:ext uri="{FF2B5EF4-FFF2-40B4-BE49-F238E27FC236}">
+                <a16:creationId xmlns:a16="http://schemas.microsoft.com/office/drawing/2014/main" id="{2108D9B1-69D3-D7D4-20CC-9AF93455CA82}"/>
               </a:ext>
             </a:extLst>
           </p:cNvPr>
@@ -4459,8 +5137,96 @@
         </p:nvSpPr>
         <p:spPr>
           <a:xfrm>
-            <a:off x="1782589" y="1404995"/>
-            <a:ext cx="2443195" cy="2067196"/>
+            <a:off x="9210040" y="825010"/>
+            <a:ext cx="1956620" cy="564485"/>
+          </a:xfrm>
+          <a:prstGeom prst="ellipse">
+            <a:avLst/>
+          </a:prstGeom>
+          <a:noFill/>
+          <a:ln w="19050">
+            <a:solidFill>
+              <a:schemeClr val="tx1"/>
+            </a:solidFill>
+          </a:ln>
+        </p:spPr>
+        <p:style>
+          <a:lnRef idx="2">
+            <a:schemeClr val="accent1">
+              <a:shade val="15000"/>
+            </a:schemeClr>
+          </a:lnRef>
+          <a:fillRef idx="1">
+            <a:schemeClr val="accent1"/>
+          </a:fillRef>
+          <a:effectRef idx="0">
+            <a:schemeClr val="accent1"/>
+          </a:effectRef>
+          <a:fontRef idx="minor">
+            <a:schemeClr val="lt1"/>
+          </a:fontRef>
+        </p:style>
+        <p:txBody>
+          <a:bodyPr rtlCol="0" anchor="ctr"/>
+          <a:lstStyle/>
+          <a:p>
+            <a:pPr algn="ctr"/>
+            <a:r>
+              <a:rPr lang="en-US" altLang="ja-JP" dirty="0">
+                <a:solidFill>
+                  <a:schemeClr val="tx1"/>
+                </a:solidFill>
+              </a:rPr>
+              <a:t>ISBN</a:t>
+            </a:r>
+            <a:r>
+              <a:rPr lang="ja-JP" altLang="en-US" dirty="0">
+                <a:solidFill>
+                  <a:schemeClr val="tx1"/>
+                </a:solidFill>
+              </a:rPr>
+              <a:t>に</a:t>
+            </a:r>
+            <a:endParaRPr lang="en-US" altLang="ja-JP" dirty="0">
+              <a:solidFill>
+                <a:schemeClr val="tx1"/>
+              </a:solidFill>
+            </a:endParaRPr>
+          </a:p>
+          <a:p>
+            <a:pPr algn="ctr"/>
+            <a:r>
+              <a:rPr lang="ja-JP" altLang="en-US" dirty="0">
+                <a:solidFill>
+                  <a:schemeClr val="tx1"/>
+                </a:solidFill>
+              </a:rPr>
+              <a:t>よる照合</a:t>
+            </a:r>
+            <a:endParaRPr kumimoji="1" lang="en-US" altLang="ja-JP" dirty="0">
+              <a:solidFill>
+                <a:schemeClr val="tx1"/>
+              </a:solidFill>
+            </a:endParaRPr>
+          </a:p>
+        </p:txBody>
+      </p:sp>
+      <p:sp>
+        <p:nvSpPr>
+          <p:cNvPr id="38" name="正方形/長方形 37">
+            <a:extLst>
+              <a:ext uri="{FF2B5EF4-FFF2-40B4-BE49-F238E27FC236}">
+                <a16:creationId xmlns:a16="http://schemas.microsoft.com/office/drawing/2014/main" id="{D3242BFA-8F16-767B-6744-E4AC16A639F9}"/>
+              </a:ext>
+            </a:extLst>
+          </p:cNvPr>
+          <p:cNvSpPr/>
+          <p:nvPr/>
+        </p:nvSpPr>
+        <p:spPr>
+          <a:xfrm>
+            <a:off x="8708665" y="317127"/>
+            <a:ext cx="2959371" cy="1242486"/>
           </a:xfrm>
           <a:prstGeom prst="rect">
             <a:avLst/>
@@ -4501,202 +5267,10 @@
       </p:sp>
       <p:sp>
         <p:nvSpPr>
-          <p:cNvPr id="9" name="楕円 8">
-            <a:extLst>
-              <a:ext uri="{FF2B5EF4-FFF2-40B4-BE49-F238E27FC236}">
-                <a16:creationId xmlns:a16="http://schemas.microsoft.com/office/drawing/2014/main" id="{D839738A-A6B1-75DB-A0C7-2935B673E34F}"/>
-              </a:ext>
-            </a:extLst>
-          </p:cNvPr>
-          <p:cNvSpPr/>
-          <p:nvPr/>
-        </p:nvSpPr>
-        <p:spPr>
-          <a:xfrm>
-            <a:off x="2023089" y="1782617"/>
-            <a:ext cx="1956620" cy="485431"/>
-          </a:xfrm>
-          <a:prstGeom prst="ellipse">
-            <a:avLst/>
-          </a:prstGeom>
-          <a:noFill/>
-          <a:ln w="19050">
-            <a:solidFill>
-              <a:schemeClr val="tx1"/>
-            </a:solidFill>
-          </a:ln>
-        </p:spPr>
-        <p:style>
-          <a:lnRef idx="2">
-            <a:schemeClr val="accent1">
-              <a:shade val="15000"/>
-            </a:schemeClr>
-          </a:lnRef>
-          <a:fillRef idx="1">
-            <a:schemeClr val="accent1"/>
-          </a:fillRef>
-          <a:effectRef idx="0">
-            <a:schemeClr val="accent1"/>
-          </a:effectRef>
-          <a:fontRef idx="minor">
-            <a:schemeClr val="lt1"/>
-          </a:fontRef>
-        </p:style>
-        <p:txBody>
-          <a:bodyPr rtlCol="0" anchor="ctr"/>
-          <a:lstStyle/>
-          <a:p>
-            <a:pPr algn="ctr"/>
-            <a:r>
-              <a:rPr kumimoji="1" lang="ja-JP" altLang="en-US" dirty="0">
-                <a:solidFill>
-                  <a:schemeClr val="tx1"/>
-                </a:solidFill>
-              </a:rPr>
-              <a:t>図書の登録</a:t>
-            </a:r>
-            <a:endParaRPr kumimoji="1" lang="en-US" altLang="ja-JP" dirty="0">
-              <a:solidFill>
-                <a:schemeClr val="tx1"/>
-              </a:solidFill>
-            </a:endParaRPr>
-          </a:p>
-        </p:txBody>
-      </p:sp>
-      <p:sp>
-        <p:nvSpPr>
-          <p:cNvPr id="12" name="楕円 11">
-            <a:extLst>
-              <a:ext uri="{FF2B5EF4-FFF2-40B4-BE49-F238E27FC236}">
-                <a16:creationId xmlns:a16="http://schemas.microsoft.com/office/drawing/2014/main" id="{408B93FB-DCDC-81CA-DDD9-8D94E8E2908D}"/>
-              </a:ext>
-            </a:extLst>
-          </p:cNvPr>
-          <p:cNvSpPr/>
-          <p:nvPr/>
-        </p:nvSpPr>
-        <p:spPr>
-          <a:xfrm>
-            <a:off x="2060497" y="2275157"/>
-            <a:ext cx="1956620" cy="485431"/>
-          </a:xfrm>
-          <a:prstGeom prst="ellipse">
-            <a:avLst/>
-          </a:prstGeom>
-          <a:noFill/>
-          <a:ln w="19050">
-            <a:solidFill>
-              <a:schemeClr val="tx1"/>
-            </a:solidFill>
-          </a:ln>
-        </p:spPr>
-        <p:style>
-          <a:lnRef idx="2">
-            <a:schemeClr val="accent1">
-              <a:shade val="15000"/>
-            </a:schemeClr>
-          </a:lnRef>
-          <a:fillRef idx="1">
-            <a:schemeClr val="accent1"/>
-          </a:fillRef>
-          <a:effectRef idx="0">
-            <a:schemeClr val="accent1"/>
-          </a:effectRef>
-          <a:fontRef idx="minor">
-            <a:schemeClr val="lt1"/>
-          </a:fontRef>
-        </p:style>
-        <p:txBody>
-          <a:bodyPr rtlCol="0" anchor="ctr"/>
-          <a:lstStyle/>
-          <a:p>
-            <a:pPr algn="ctr"/>
-            <a:r>
-              <a:rPr kumimoji="1" lang="ja-JP" altLang="en-US" dirty="0">
-                <a:solidFill>
-                  <a:schemeClr val="tx1"/>
-                </a:solidFill>
-              </a:rPr>
-              <a:t>図書の削除</a:t>
-            </a:r>
-            <a:endParaRPr kumimoji="1" lang="en-US" altLang="ja-JP" dirty="0">
-              <a:solidFill>
-                <a:schemeClr val="tx1"/>
-              </a:solidFill>
-            </a:endParaRPr>
-          </a:p>
-        </p:txBody>
-      </p:sp>
-      <p:sp>
-        <p:nvSpPr>
-          <p:cNvPr id="13" name="楕円 12">
-            <a:extLst>
-              <a:ext uri="{FF2B5EF4-FFF2-40B4-BE49-F238E27FC236}">
-                <a16:creationId xmlns:a16="http://schemas.microsoft.com/office/drawing/2014/main" id="{ABDAE047-D910-8A04-BD08-9E728FF98172}"/>
-              </a:ext>
-            </a:extLst>
-          </p:cNvPr>
-          <p:cNvSpPr/>
-          <p:nvPr/>
-        </p:nvSpPr>
-        <p:spPr>
-          <a:xfrm>
-            <a:off x="2060497" y="2767697"/>
-            <a:ext cx="1956620" cy="639097"/>
-          </a:xfrm>
-          <a:prstGeom prst="ellipse">
-            <a:avLst/>
-          </a:prstGeom>
-          <a:noFill/>
-          <a:ln w="19050">
-            <a:solidFill>
-              <a:schemeClr val="tx1"/>
-            </a:solidFill>
-          </a:ln>
-        </p:spPr>
-        <p:style>
-          <a:lnRef idx="2">
-            <a:schemeClr val="accent1">
-              <a:shade val="15000"/>
-            </a:schemeClr>
-          </a:lnRef>
-          <a:fillRef idx="1">
-            <a:schemeClr val="accent1"/>
-          </a:fillRef>
-          <a:effectRef idx="0">
-            <a:schemeClr val="accent1"/>
-          </a:effectRef>
-          <a:fontRef idx="minor">
-            <a:schemeClr val="lt1"/>
-          </a:fontRef>
-        </p:style>
-        <p:txBody>
-          <a:bodyPr rtlCol="0" anchor="ctr"/>
-          <a:lstStyle/>
-          <a:p>
-            <a:pPr algn="ctr"/>
-            <a:r>
-              <a:rPr kumimoji="1" lang="ja-JP" altLang="en-US" dirty="0">
-                <a:solidFill>
-                  <a:schemeClr val="tx1"/>
-                </a:solidFill>
-              </a:rPr>
-              <a:t>図書の登録情報の修正</a:t>
-            </a:r>
-            <a:endParaRPr kumimoji="1" lang="en-US" altLang="ja-JP" dirty="0">
-              <a:solidFill>
-                <a:schemeClr val="tx1"/>
-              </a:solidFill>
-            </a:endParaRPr>
-          </a:p>
-        </p:txBody>
-      </p:sp>
-      <p:sp>
-        <p:nvSpPr>
-          <p:cNvPr id="15" name="テキスト ボックス 14">
-            <a:extLst>
-              <a:ext uri="{FF2B5EF4-FFF2-40B4-BE49-F238E27FC236}">
-                <a16:creationId xmlns:a16="http://schemas.microsoft.com/office/drawing/2014/main" id="{EF5EC44C-F552-3A38-A05C-59F3BC007093}"/>
+          <p:cNvPr id="40" name="テキスト ボックス 39">
+            <a:extLst>
+              <a:ext uri="{FF2B5EF4-FFF2-40B4-BE49-F238E27FC236}">
+                <a16:creationId xmlns:a16="http://schemas.microsoft.com/office/drawing/2014/main" id="{F5BA4051-3FDD-7429-1B44-F7941285FAA5}"/>
               </a:ext>
             </a:extLst>
           </p:cNvPr>
@@ -4705,8 +5279,8 @@
         </p:nvSpPr>
         <p:spPr>
           <a:xfrm>
-            <a:off x="1964559" y="1423599"/>
-            <a:ext cx="2015149" cy="369332"/>
+            <a:off x="9317497" y="323780"/>
+            <a:ext cx="1741705" cy="369332"/>
           </a:xfrm>
           <a:prstGeom prst="rect">
             <a:avLst/>
@@ -4721,8 +5295,13 @@
           <a:p>
             <a:r>
               <a:rPr kumimoji="1" lang="ja-JP" altLang="en-US" dirty="0"/>
-              <a:t>図書管理システム</a:t>
-            </a:r>
+              <a:t>国会図書館</a:t>
+            </a:r>
+            <a:r>
+              <a:rPr lang="en-US" altLang="ja-JP" dirty="0"/>
+              <a:t>API</a:t>
+            </a:r>
+            <a:endParaRPr kumimoji="1" lang="ja-JP" altLang="en-US" dirty="0"/>
           </a:p>
         </p:txBody>
       </p:sp>
@@ -4756,10 +5335,1277 @@
           <a:chExt cx="0" cy="0"/>
         </a:xfrm>
       </p:grpSpPr>
+      <p:pic>
+        <p:nvPicPr>
+          <p:cNvPr id="5" name="グラフィックス 4" descr="男性 単色塗りつぶし">
+            <a:extLst>
+              <a:ext uri="{FF2B5EF4-FFF2-40B4-BE49-F238E27FC236}">
+                <a16:creationId xmlns:a16="http://schemas.microsoft.com/office/drawing/2014/main" id="{00EA790A-9FA2-C397-FF18-B985FD1B6F49}"/>
+              </a:ext>
+            </a:extLst>
+          </p:cNvPr>
+          <p:cNvPicPr>
+            <a:picLocks noChangeAspect="1"/>
+          </p:cNvPicPr>
+          <p:nvPr/>
+        </p:nvPicPr>
+        <p:blipFill>
+          <a:blip r:embed="rId2">
+            <a:extLst>
+              <a:ext uri="{28A0092B-C50C-407E-A947-70E740481C1C}">
+                <a14:useLocalDpi xmlns:a14="http://schemas.microsoft.com/office/drawing/2010/main" val="0"/>
+              </a:ext>
+              <a:ext uri="{96DAC541-7B7A-43D3-8B79-37D633B846F1}">
+                <asvg:svgBlip xmlns:asvg="http://schemas.microsoft.com/office/drawing/2016/SVG/main" r:embed="rId3"/>
+              </a:ext>
+            </a:extLst>
+          </a:blip>
+          <a:stretch>
+            <a:fillRect/>
+          </a:stretch>
+        </p:blipFill>
+        <p:spPr>
+          <a:xfrm>
+            <a:off x="1881494" y="2637504"/>
+            <a:ext cx="914400" cy="914400"/>
+          </a:xfrm>
+          <a:prstGeom prst="rect">
+            <a:avLst/>
+          </a:prstGeom>
+        </p:spPr>
+      </p:pic>
+      <p:sp>
+        <p:nvSpPr>
+          <p:cNvPr id="18" name="テキスト ボックス 17">
+            <a:extLst>
+              <a:ext uri="{FF2B5EF4-FFF2-40B4-BE49-F238E27FC236}">
+                <a16:creationId xmlns:a16="http://schemas.microsoft.com/office/drawing/2014/main" id="{D7B3FCE8-2470-42CF-6C19-2C5DE6F6F885}"/>
+              </a:ext>
+            </a:extLst>
+          </p:cNvPr>
+          <p:cNvSpPr txBox="1"/>
+          <p:nvPr/>
+        </p:nvSpPr>
+        <p:spPr>
+          <a:xfrm>
+            <a:off x="1860754" y="3518894"/>
+            <a:ext cx="1017638" cy="523220"/>
+          </a:xfrm>
+          <a:prstGeom prst="rect">
+            <a:avLst/>
+          </a:prstGeom>
+          <a:noFill/>
+        </p:spPr>
+        <p:txBody>
+          <a:bodyPr wrap="square" rtlCol="0">
+            <a:spAutoFit/>
+          </a:bodyPr>
+          <a:lstStyle/>
+          <a:p>
+            <a:pPr algn="ctr"/>
+            <a:r>
+              <a:rPr kumimoji="1" lang="ja-JP" altLang="en-US" sz="1400" dirty="0"/>
+              <a:t>エンドユーザー</a:t>
+            </a:r>
+          </a:p>
+        </p:txBody>
+      </p:sp>
+      <p:sp>
+        <p:nvSpPr>
+          <p:cNvPr id="4" name="正方形/長方形 3">
+            <a:extLst>
+              <a:ext uri="{FF2B5EF4-FFF2-40B4-BE49-F238E27FC236}">
+                <a16:creationId xmlns:a16="http://schemas.microsoft.com/office/drawing/2014/main" id="{C795586F-B4C2-749C-6FB9-7CD4CF67E126}"/>
+              </a:ext>
+            </a:extLst>
+          </p:cNvPr>
+          <p:cNvSpPr/>
+          <p:nvPr/>
+        </p:nvSpPr>
+        <p:spPr>
+          <a:xfrm>
+            <a:off x="3028336" y="672158"/>
+            <a:ext cx="7348136" cy="5728642"/>
+          </a:xfrm>
+          <a:prstGeom prst="rect">
+            <a:avLst/>
+          </a:prstGeom>
+          <a:noFill/>
+          <a:ln w="19050">
+            <a:solidFill>
+              <a:schemeClr val="tx1"/>
+            </a:solidFill>
+          </a:ln>
+        </p:spPr>
+        <p:style>
+          <a:lnRef idx="2">
+            <a:schemeClr val="accent1">
+              <a:shade val="15000"/>
+            </a:schemeClr>
+          </a:lnRef>
+          <a:fillRef idx="1">
+            <a:schemeClr val="accent1"/>
+          </a:fillRef>
+          <a:effectRef idx="0">
+            <a:schemeClr val="accent1"/>
+          </a:effectRef>
+          <a:fontRef idx="minor">
+            <a:schemeClr val="lt1"/>
+          </a:fontRef>
+        </p:style>
+        <p:txBody>
+          <a:bodyPr rtlCol="0" anchor="ctr"/>
+          <a:lstStyle/>
+          <a:p>
+            <a:pPr algn="ctr"/>
+            <a:endParaRPr kumimoji="1" lang="ja-JP" altLang="en-US" dirty="0">
+              <a:noFill/>
+            </a:endParaRPr>
+          </a:p>
+        </p:txBody>
+      </p:sp>
+      <p:sp>
+        <p:nvSpPr>
+          <p:cNvPr id="15" name="テキスト ボックス 14">
+            <a:extLst>
+              <a:ext uri="{FF2B5EF4-FFF2-40B4-BE49-F238E27FC236}">
+                <a16:creationId xmlns:a16="http://schemas.microsoft.com/office/drawing/2014/main" id="{EF5EC44C-F552-3A38-A05C-59F3BC007093}"/>
+              </a:ext>
+            </a:extLst>
+          </p:cNvPr>
+          <p:cNvSpPr txBox="1"/>
+          <p:nvPr/>
+        </p:nvSpPr>
+        <p:spPr>
+          <a:xfrm>
+            <a:off x="5694829" y="672158"/>
+            <a:ext cx="2015149" cy="369332"/>
+          </a:xfrm>
+          <a:prstGeom prst="rect">
+            <a:avLst/>
+          </a:prstGeom>
+          <a:noFill/>
+        </p:spPr>
+        <p:txBody>
+          <a:bodyPr wrap="square" rtlCol="0">
+            <a:spAutoFit/>
+          </a:bodyPr>
+          <a:lstStyle/>
+          <a:p>
+            <a:r>
+              <a:rPr kumimoji="1" lang="ja-JP" altLang="en-US" dirty="0"/>
+              <a:t>図書管理システム</a:t>
+            </a:r>
+          </a:p>
+        </p:txBody>
+      </p:sp>
+      <p:sp>
+        <p:nvSpPr>
+          <p:cNvPr id="3" name="楕円 2">
+            <a:extLst>
+              <a:ext uri="{FF2B5EF4-FFF2-40B4-BE49-F238E27FC236}">
+                <a16:creationId xmlns:a16="http://schemas.microsoft.com/office/drawing/2014/main" id="{34D95EF6-7CFA-36FA-D1F3-93E5E1446997}"/>
+              </a:ext>
+            </a:extLst>
+          </p:cNvPr>
+          <p:cNvSpPr/>
+          <p:nvPr/>
+        </p:nvSpPr>
+        <p:spPr>
+          <a:xfrm>
+            <a:off x="3152766" y="2561304"/>
+            <a:ext cx="1956620" cy="639097"/>
+          </a:xfrm>
+          <a:prstGeom prst="ellipse">
+            <a:avLst/>
+          </a:prstGeom>
+          <a:noFill/>
+          <a:ln w="19050">
+            <a:solidFill>
+              <a:schemeClr val="tx1"/>
+            </a:solidFill>
+          </a:ln>
+        </p:spPr>
+        <p:style>
+          <a:lnRef idx="2">
+            <a:schemeClr val="accent1">
+              <a:shade val="15000"/>
+            </a:schemeClr>
+          </a:lnRef>
+          <a:fillRef idx="1">
+            <a:schemeClr val="accent1"/>
+          </a:fillRef>
+          <a:effectRef idx="0">
+            <a:schemeClr val="accent1"/>
+          </a:effectRef>
+          <a:fontRef idx="minor">
+            <a:schemeClr val="lt1"/>
+          </a:fontRef>
+        </p:style>
+        <p:txBody>
+          <a:bodyPr rtlCol="0" anchor="ctr"/>
+          <a:lstStyle/>
+          <a:p>
+            <a:pPr algn="ctr"/>
+            <a:r>
+              <a:rPr kumimoji="1" lang="ja-JP" altLang="en-US" dirty="0">
+                <a:solidFill>
+                  <a:schemeClr val="tx1"/>
+                </a:solidFill>
+              </a:rPr>
+              <a:t>貸出申請</a:t>
+            </a:r>
+            <a:endParaRPr kumimoji="1" lang="en-US" altLang="ja-JP" dirty="0">
+              <a:solidFill>
+                <a:schemeClr val="tx1"/>
+              </a:solidFill>
+            </a:endParaRPr>
+          </a:p>
+        </p:txBody>
+      </p:sp>
+      <p:sp>
+        <p:nvSpPr>
+          <p:cNvPr id="6" name="楕円 5">
+            <a:extLst>
+              <a:ext uri="{FF2B5EF4-FFF2-40B4-BE49-F238E27FC236}">
+                <a16:creationId xmlns:a16="http://schemas.microsoft.com/office/drawing/2014/main" id="{8EC42010-09BE-AF7D-2D93-DB5BDDCAEC23}"/>
+              </a:ext>
+            </a:extLst>
+          </p:cNvPr>
+          <p:cNvSpPr/>
+          <p:nvPr/>
+        </p:nvSpPr>
+        <p:spPr>
+          <a:xfrm>
+            <a:off x="3110834" y="3844414"/>
+            <a:ext cx="1956620" cy="639097"/>
+          </a:xfrm>
+          <a:prstGeom prst="ellipse">
+            <a:avLst/>
+          </a:prstGeom>
+          <a:noFill/>
+          <a:ln w="19050">
+            <a:solidFill>
+              <a:schemeClr val="tx1"/>
+            </a:solidFill>
+          </a:ln>
+        </p:spPr>
+        <p:style>
+          <a:lnRef idx="2">
+            <a:schemeClr val="accent1">
+              <a:shade val="15000"/>
+            </a:schemeClr>
+          </a:lnRef>
+          <a:fillRef idx="1">
+            <a:schemeClr val="accent1"/>
+          </a:fillRef>
+          <a:effectRef idx="0">
+            <a:schemeClr val="accent1"/>
+          </a:effectRef>
+          <a:fontRef idx="minor">
+            <a:schemeClr val="lt1"/>
+          </a:fontRef>
+        </p:style>
+        <p:txBody>
+          <a:bodyPr rtlCol="0" anchor="ctr"/>
+          <a:lstStyle/>
+          <a:p>
+            <a:pPr algn="ctr"/>
+            <a:r>
+              <a:rPr kumimoji="1" lang="ja-JP" altLang="en-US" dirty="0">
+                <a:solidFill>
+                  <a:schemeClr val="tx1"/>
+                </a:solidFill>
+              </a:rPr>
+              <a:t>返却申請</a:t>
+            </a:r>
+            <a:endParaRPr kumimoji="1" lang="en-US" altLang="ja-JP" dirty="0">
+              <a:solidFill>
+                <a:schemeClr val="tx1"/>
+              </a:solidFill>
+            </a:endParaRPr>
+          </a:p>
+        </p:txBody>
+      </p:sp>
+      <p:sp>
+        <p:nvSpPr>
+          <p:cNvPr id="14" name="楕円 13">
+            <a:extLst>
+              <a:ext uri="{FF2B5EF4-FFF2-40B4-BE49-F238E27FC236}">
+                <a16:creationId xmlns:a16="http://schemas.microsoft.com/office/drawing/2014/main" id="{7DF9AD1C-8438-D98D-3840-2F762F4978A2}"/>
+              </a:ext>
+            </a:extLst>
+          </p:cNvPr>
+          <p:cNvSpPr/>
+          <p:nvPr/>
+        </p:nvSpPr>
+        <p:spPr>
+          <a:xfrm>
+            <a:off x="5733733" y="1238865"/>
+            <a:ext cx="1956620" cy="639097"/>
+          </a:xfrm>
+          <a:prstGeom prst="ellipse">
+            <a:avLst/>
+          </a:prstGeom>
+          <a:noFill/>
+          <a:ln w="19050">
+            <a:solidFill>
+              <a:schemeClr val="tx1"/>
+            </a:solidFill>
+          </a:ln>
+        </p:spPr>
+        <p:style>
+          <a:lnRef idx="2">
+            <a:schemeClr val="accent1">
+              <a:shade val="15000"/>
+            </a:schemeClr>
+          </a:lnRef>
+          <a:fillRef idx="1">
+            <a:schemeClr val="accent1"/>
+          </a:fillRef>
+          <a:effectRef idx="0">
+            <a:schemeClr val="accent1"/>
+          </a:effectRef>
+          <a:fontRef idx="minor">
+            <a:schemeClr val="lt1"/>
+          </a:fontRef>
+        </p:style>
+        <p:txBody>
+          <a:bodyPr rtlCol="0" anchor="ctr"/>
+          <a:lstStyle/>
+          <a:p>
+            <a:pPr algn="ctr"/>
+            <a:r>
+              <a:rPr kumimoji="1" lang="ja-JP" altLang="en-US" dirty="0">
+                <a:solidFill>
+                  <a:schemeClr val="tx1"/>
+                </a:solidFill>
+              </a:rPr>
+              <a:t>貸出申請</a:t>
+            </a:r>
+            <a:endParaRPr kumimoji="1" lang="en-US" altLang="ja-JP" dirty="0">
+              <a:solidFill>
+                <a:schemeClr val="tx1"/>
+              </a:solidFill>
+            </a:endParaRPr>
+          </a:p>
+          <a:p>
+            <a:pPr algn="ctr"/>
+            <a:r>
+              <a:rPr lang="ja-JP" altLang="en-US" dirty="0">
+                <a:solidFill>
+                  <a:schemeClr val="tx1"/>
+                </a:solidFill>
+              </a:rPr>
+              <a:t>の受理</a:t>
+            </a:r>
+            <a:endParaRPr lang="en-US" altLang="ja-JP" dirty="0">
+              <a:solidFill>
+                <a:schemeClr val="tx1"/>
+              </a:solidFill>
+            </a:endParaRPr>
+          </a:p>
+        </p:txBody>
+      </p:sp>
+      <p:sp>
+        <p:nvSpPr>
+          <p:cNvPr id="17" name="楕円 16">
+            <a:extLst>
+              <a:ext uri="{FF2B5EF4-FFF2-40B4-BE49-F238E27FC236}">
+                <a16:creationId xmlns:a16="http://schemas.microsoft.com/office/drawing/2014/main" id="{2541D9EA-752D-40E6-7162-083EA79EC5A2}"/>
+              </a:ext>
+            </a:extLst>
+          </p:cNvPr>
+          <p:cNvSpPr/>
+          <p:nvPr/>
+        </p:nvSpPr>
+        <p:spPr>
+          <a:xfrm>
+            <a:off x="8249807" y="1251987"/>
+            <a:ext cx="1956620" cy="639097"/>
+          </a:xfrm>
+          <a:prstGeom prst="ellipse">
+            <a:avLst/>
+          </a:prstGeom>
+          <a:noFill/>
+          <a:ln w="19050">
+            <a:solidFill>
+              <a:schemeClr val="tx1"/>
+            </a:solidFill>
+          </a:ln>
+        </p:spPr>
+        <p:style>
+          <a:lnRef idx="2">
+            <a:schemeClr val="accent1">
+              <a:shade val="15000"/>
+            </a:schemeClr>
+          </a:lnRef>
+          <a:fillRef idx="1">
+            <a:schemeClr val="accent1"/>
+          </a:fillRef>
+          <a:effectRef idx="0">
+            <a:schemeClr val="accent1"/>
+          </a:effectRef>
+          <a:fontRef idx="minor">
+            <a:schemeClr val="lt1"/>
+          </a:fontRef>
+        </p:style>
+        <p:txBody>
+          <a:bodyPr rtlCol="0" anchor="ctr"/>
+          <a:lstStyle/>
+          <a:p>
+            <a:pPr algn="ctr"/>
+            <a:r>
+              <a:rPr kumimoji="1" lang="ja-JP" altLang="en-US" dirty="0">
+                <a:solidFill>
+                  <a:schemeClr val="tx1"/>
+                </a:solidFill>
+              </a:rPr>
+              <a:t>貸出する本の場所表示</a:t>
+            </a:r>
+            <a:endParaRPr kumimoji="1" lang="en-US" altLang="ja-JP" dirty="0">
+              <a:solidFill>
+                <a:schemeClr val="tx1"/>
+              </a:solidFill>
+            </a:endParaRPr>
+          </a:p>
+        </p:txBody>
+      </p:sp>
+      <p:sp>
+        <p:nvSpPr>
+          <p:cNvPr id="20" name="楕円 19">
+            <a:extLst>
+              <a:ext uri="{FF2B5EF4-FFF2-40B4-BE49-F238E27FC236}">
+                <a16:creationId xmlns:a16="http://schemas.microsoft.com/office/drawing/2014/main" id="{B2D6FFAB-A0FA-BAB0-6304-8BA57CEE6509}"/>
+              </a:ext>
+            </a:extLst>
+          </p:cNvPr>
+          <p:cNvSpPr/>
+          <p:nvPr/>
+        </p:nvSpPr>
+        <p:spPr>
+          <a:xfrm>
+            <a:off x="5733733" y="3678096"/>
+            <a:ext cx="1956620" cy="639097"/>
+          </a:xfrm>
+          <a:prstGeom prst="ellipse">
+            <a:avLst/>
+          </a:prstGeom>
+          <a:noFill/>
+          <a:ln w="19050">
+            <a:solidFill>
+              <a:schemeClr val="tx1"/>
+            </a:solidFill>
+          </a:ln>
+        </p:spPr>
+        <p:style>
+          <a:lnRef idx="2">
+            <a:schemeClr val="accent1">
+              <a:shade val="15000"/>
+            </a:schemeClr>
+          </a:lnRef>
+          <a:fillRef idx="1">
+            <a:schemeClr val="accent1"/>
+          </a:fillRef>
+          <a:effectRef idx="0">
+            <a:schemeClr val="accent1"/>
+          </a:effectRef>
+          <a:fontRef idx="minor">
+            <a:schemeClr val="lt1"/>
+          </a:fontRef>
+        </p:style>
+        <p:txBody>
+          <a:bodyPr rtlCol="0" anchor="ctr"/>
+          <a:lstStyle/>
+          <a:p>
+            <a:pPr algn="ctr"/>
+            <a:r>
+              <a:rPr kumimoji="1" lang="ja-JP" altLang="en-US" dirty="0">
+                <a:solidFill>
+                  <a:schemeClr val="tx1"/>
+                </a:solidFill>
+              </a:rPr>
+              <a:t>返却申請</a:t>
+            </a:r>
+            <a:endParaRPr kumimoji="1" lang="en-US" altLang="ja-JP" dirty="0">
+              <a:solidFill>
+                <a:schemeClr val="tx1"/>
+              </a:solidFill>
+            </a:endParaRPr>
+          </a:p>
+          <a:p>
+            <a:pPr algn="ctr"/>
+            <a:r>
+              <a:rPr kumimoji="1" lang="ja-JP" altLang="en-US" dirty="0">
+                <a:solidFill>
+                  <a:schemeClr val="tx1"/>
+                </a:solidFill>
+              </a:rPr>
+              <a:t>の受理</a:t>
+            </a:r>
+            <a:endParaRPr lang="en-US" altLang="ja-JP" dirty="0">
+              <a:solidFill>
+                <a:schemeClr val="tx1"/>
+              </a:solidFill>
+            </a:endParaRPr>
+          </a:p>
+        </p:txBody>
+      </p:sp>
+      <p:sp>
+        <p:nvSpPr>
+          <p:cNvPr id="22" name="楕円 21">
+            <a:extLst>
+              <a:ext uri="{FF2B5EF4-FFF2-40B4-BE49-F238E27FC236}">
+                <a16:creationId xmlns:a16="http://schemas.microsoft.com/office/drawing/2014/main" id="{C17655BE-9754-E8DF-0535-93B250EE08EC}"/>
+              </a:ext>
+            </a:extLst>
+          </p:cNvPr>
+          <p:cNvSpPr/>
+          <p:nvPr/>
+        </p:nvSpPr>
+        <p:spPr>
+          <a:xfrm>
+            <a:off x="8249807" y="3636533"/>
+            <a:ext cx="1956620" cy="639097"/>
+          </a:xfrm>
+          <a:prstGeom prst="ellipse">
+            <a:avLst/>
+          </a:prstGeom>
+          <a:noFill/>
+          <a:ln w="19050">
+            <a:solidFill>
+              <a:schemeClr val="tx1"/>
+            </a:solidFill>
+          </a:ln>
+        </p:spPr>
+        <p:style>
+          <a:lnRef idx="2">
+            <a:schemeClr val="accent1">
+              <a:shade val="15000"/>
+            </a:schemeClr>
+          </a:lnRef>
+          <a:fillRef idx="1">
+            <a:schemeClr val="accent1"/>
+          </a:fillRef>
+          <a:effectRef idx="0">
+            <a:schemeClr val="accent1"/>
+          </a:effectRef>
+          <a:fontRef idx="minor">
+            <a:schemeClr val="lt1"/>
+          </a:fontRef>
+        </p:style>
+        <p:txBody>
+          <a:bodyPr rtlCol="0" anchor="ctr"/>
+          <a:lstStyle/>
+          <a:p>
+            <a:pPr algn="ctr"/>
+            <a:r>
+              <a:rPr kumimoji="1" lang="ja-JP" altLang="en-US" dirty="0">
+                <a:solidFill>
+                  <a:schemeClr val="tx1"/>
+                </a:solidFill>
+              </a:rPr>
+              <a:t>在庫情報</a:t>
+            </a:r>
+            <a:endParaRPr kumimoji="1" lang="en-US" altLang="ja-JP" dirty="0">
+              <a:solidFill>
+                <a:schemeClr val="tx1"/>
+              </a:solidFill>
+            </a:endParaRPr>
+          </a:p>
+          <a:p>
+            <a:pPr algn="ctr"/>
+            <a:r>
+              <a:rPr lang="ja-JP" altLang="en-US" dirty="0">
+                <a:solidFill>
+                  <a:schemeClr val="tx1"/>
+                </a:solidFill>
+              </a:rPr>
+              <a:t>の修正</a:t>
+            </a:r>
+            <a:endParaRPr lang="en-US" altLang="ja-JP" dirty="0">
+              <a:solidFill>
+                <a:schemeClr val="tx1"/>
+              </a:solidFill>
+            </a:endParaRPr>
+          </a:p>
+        </p:txBody>
+      </p:sp>
+      <p:sp>
+        <p:nvSpPr>
+          <p:cNvPr id="23" name="楕円 22">
+            <a:extLst>
+              <a:ext uri="{FF2B5EF4-FFF2-40B4-BE49-F238E27FC236}">
+                <a16:creationId xmlns:a16="http://schemas.microsoft.com/office/drawing/2014/main" id="{0DF27E57-C6FF-E498-F673-C6C69B7C934A}"/>
+              </a:ext>
+            </a:extLst>
+          </p:cNvPr>
+          <p:cNvSpPr/>
+          <p:nvPr/>
+        </p:nvSpPr>
+        <p:spPr>
+          <a:xfrm>
+            <a:off x="5733733" y="4601912"/>
+            <a:ext cx="1956620" cy="933649"/>
+          </a:xfrm>
+          <a:prstGeom prst="ellipse">
+            <a:avLst/>
+          </a:prstGeom>
+          <a:noFill/>
+          <a:ln w="19050">
+            <a:solidFill>
+              <a:schemeClr val="tx1"/>
+            </a:solidFill>
+          </a:ln>
+        </p:spPr>
+        <p:style>
+          <a:lnRef idx="2">
+            <a:schemeClr val="accent1">
+              <a:shade val="15000"/>
+            </a:schemeClr>
+          </a:lnRef>
+          <a:fillRef idx="1">
+            <a:schemeClr val="accent1"/>
+          </a:fillRef>
+          <a:effectRef idx="0">
+            <a:schemeClr val="accent1"/>
+          </a:effectRef>
+          <a:fontRef idx="minor">
+            <a:schemeClr val="lt1"/>
+          </a:fontRef>
+        </p:style>
+        <p:txBody>
+          <a:bodyPr rtlCol="0" anchor="ctr"/>
+          <a:lstStyle/>
+          <a:p>
+            <a:pPr algn="ctr"/>
+            <a:r>
+              <a:rPr kumimoji="1" lang="ja-JP" altLang="en-US" dirty="0">
+                <a:solidFill>
+                  <a:schemeClr val="tx1"/>
+                </a:solidFill>
+              </a:rPr>
+              <a:t>図書</a:t>
+            </a:r>
+            <a:endParaRPr kumimoji="1" lang="en-US" altLang="ja-JP" dirty="0">
+              <a:solidFill>
+                <a:schemeClr val="tx1"/>
+              </a:solidFill>
+            </a:endParaRPr>
+          </a:p>
+          <a:p>
+            <a:pPr algn="ctr"/>
+            <a:r>
+              <a:rPr kumimoji="1" lang="ja-JP" altLang="en-US" dirty="0">
+                <a:solidFill>
+                  <a:schemeClr val="tx1"/>
+                </a:solidFill>
+              </a:rPr>
+              <a:t>レビューの投稿</a:t>
+            </a:r>
+            <a:endParaRPr lang="en-US" altLang="ja-JP" dirty="0">
+              <a:solidFill>
+                <a:schemeClr val="tx1"/>
+              </a:solidFill>
+            </a:endParaRPr>
+          </a:p>
+        </p:txBody>
+      </p:sp>
+      <p:cxnSp>
+        <p:nvCxnSpPr>
+          <p:cNvPr id="27" name="直線コネクタ 26">
+            <a:extLst>
+              <a:ext uri="{FF2B5EF4-FFF2-40B4-BE49-F238E27FC236}">
+                <a16:creationId xmlns:a16="http://schemas.microsoft.com/office/drawing/2014/main" id="{41E01549-7247-21A8-4327-7940E15F6336}"/>
+              </a:ext>
+            </a:extLst>
+          </p:cNvPr>
+          <p:cNvCxnSpPr>
+            <a:endCxn id="3" idx="2"/>
+          </p:cNvCxnSpPr>
+          <p:nvPr/>
+        </p:nvCxnSpPr>
+        <p:spPr>
+          <a:xfrm flipV="1">
+            <a:off x="2795894" y="2880853"/>
+            <a:ext cx="356872" cy="196644"/>
+          </a:xfrm>
+          <a:prstGeom prst="line">
+            <a:avLst/>
+          </a:prstGeom>
+          <a:ln w="19050"/>
+        </p:spPr>
+        <p:style>
+          <a:lnRef idx="1">
+            <a:schemeClr val="dk1"/>
+          </a:lnRef>
+          <a:fillRef idx="0">
+            <a:schemeClr val="dk1"/>
+          </a:fillRef>
+          <a:effectRef idx="0">
+            <a:schemeClr val="dk1"/>
+          </a:effectRef>
+          <a:fontRef idx="minor">
+            <a:schemeClr val="tx1"/>
+          </a:fontRef>
+        </p:style>
+      </p:cxnSp>
+      <p:cxnSp>
+        <p:nvCxnSpPr>
+          <p:cNvPr id="29" name="直線コネクタ 28">
+            <a:extLst>
+              <a:ext uri="{FF2B5EF4-FFF2-40B4-BE49-F238E27FC236}">
+                <a16:creationId xmlns:a16="http://schemas.microsoft.com/office/drawing/2014/main" id="{0D68BCFF-37E4-2E84-E004-A0BD2EAA0C04}"/>
+              </a:ext>
+            </a:extLst>
+          </p:cNvPr>
+          <p:cNvCxnSpPr>
+            <a:cxnSpLocks/>
+            <a:endCxn id="6" idx="2"/>
+          </p:cNvCxnSpPr>
+          <p:nvPr/>
+        </p:nvCxnSpPr>
+        <p:spPr>
+          <a:xfrm>
+            <a:off x="2802927" y="3060992"/>
+            <a:ext cx="307907" cy="1102971"/>
+          </a:xfrm>
+          <a:prstGeom prst="line">
+            <a:avLst/>
+          </a:prstGeom>
+          <a:ln w="19050"/>
+        </p:spPr>
+        <p:style>
+          <a:lnRef idx="1">
+            <a:schemeClr val="dk1"/>
+          </a:lnRef>
+          <a:fillRef idx="0">
+            <a:schemeClr val="dk1"/>
+          </a:fillRef>
+          <a:effectRef idx="0">
+            <a:schemeClr val="dk1"/>
+          </a:effectRef>
+          <a:fontRef idx="minor">
+            <a:schemeClr val="tx1"/>
+          </a:fontRef>
+        </p:style>
+      </p:cxnSp>
+      <p:cxnSp>
+        <p:nvCxnSpPr>
+          <p:cNvPr id="33" name="直線コネクタ 32">
+            <a:extLst>
+              <a:ext uri="{FF2B5EF4-FFF2-40B4-BE49-F238E27FC236}">
+                <a16:creationId xmlns:a16="http://schemas.microsoft.com/office/drawing/2014/main" id="{774A0743-A7FE-2AAB-8328-64FB00139869}"/>
+              </a:ext>
+            </a:extLst>
+          </p:cNvPr>
+          <p:cNvCxnSpPr>
+            <a:cxnSpLocks/>
+            <a:stCxn id="6" idx="6"/>
+            <a:endCxn id="23" idx="2"/>
+          </p:cNvCxnSpPr>
+          <p:nvPr/>
+        </p:nvCxnSpPr>
+        <p:spPr>
+          <a:xfrm>
+            <a:off x="5067454" y="4163963"/>
+            <a:ext cx="666279" cy="904774"/>
+          </a:xfrm>
+          <a:prstGeom prst="line">
+            <a:avLst/>
+          </a:prstGeom>
+          <a:ln w="19050"/>
+        </p:spPr>
+        <p:style>
+          <a:lnRef idx="1">
+            <a:schemeClr val="dk1"/>
+          </a:lnRef>
+          <a:fillRef idx="0">
+            <a:schemeClr val="dk1"/>
+          </a:fillRef>
+          <a:effectRef idx="0">
+            <a:schemeClr val="dk1"/>
+          </a:effectRef>
+          <a:fontRef idx="minor">
+            <a:schemeClr val="tx1"/>
+          </a:fontRef>
+        </p:style>
+      </p:cxnSp>
+      <p:cxnSp>
+        <p:nvCxnSpPr>
+          <p:cNvPr id="36" name="直線コネクタ 35">
+            <a:extLst>
+              <a:ext uri="{FF2B5EF4-FFF2-40B4-BE49-F238E27FC236}">
+                <a16:creationId xmlns:a16="http://schemas.microsoft.com/office/drawing/2014/main" id="{ABC591E0-F5D3-3A7E-BE74-BC9664A5F147}"/>
+              </a:ext>
+            </a:extLst>
+          </p:cNvPr>
+          <p:cNvCxnSpPr>
+            <a:cxnSpLocks/>
+            <a:stCxn id="6" idx="6"/>
+            <a:endCxn id="20" idx="2"/>
+          </p:cNvCxnSpPr>
+          <p:nvPr/>
+        </p:nvCxnSpPr>
+        <p:spPr>
+          <a:xfrm flipV="1">
+            <a:off x="5067454" y="3997645"/>
+            <a:ext cx="666279" cy="166318"/>
+          </a:xfrm>
+          <a:prstGeom prst="line">
+            <a:avLst/>
+          </a:prstGeom>
+          <a:ln w="19050"/>
+        </p:spPr>
+        <p:style>
+          <a:lnRef idx="1">
+            <a:schemeClr val="dk1"/>
+          </a:lnRef>
+          <a:fillRef idx="0">
+            <a:schemeClr val="dk1"/>
+          </a:fillRef>
+          <a:effectRef idx="0">
+            <a:schemeClr val="dk1"/>
+          </a:effectRef>
+          <a:fontRef idx="minor">
+            <a:schemeClr val="tx1"/>
+          </a:fontRef>
+        </p:style>
+      </p:cxnSp>
+      <p:cxnSp>
+        <p:nvCxnSpPr>
+          <p:cNvPr id="40" name="直線コネクタ 39">
+            <a:extLst>
+              <a:ext uri="{FF2B5EF4-FFF2-40B4-BE49-F238E27FC236}">
+                <a16:creationId xmlns:a16="http://schemas.microsoft.com/office/drawing/2014/main" id="{1F3BFB07-C95D-93DE-E3E9-8AD089783648}"/>
+              </a:ext>
+            </a:extLst>
+          </p:cNvPr>
+          <p:cNvCxnSpPr>
+            <a:cxnSpLocks/>
+            <a:stCxn id="22" idx="6"/>
+          </p:cNvCxnSpPr>
+          <p:nvPr/>
+        </p:nvCxnSpPr>
+        <p:spPr>
+          <a:xfrm flipV="1">
+            <a:off x="10206427" y="3429000"/>
+            <a:ext cx="836324" cy="527082"/>
+          </a:xfrm>
+          <a:prstGeom prst="line">
+            <a:avLst/>
+          </a:prstGeom>
+          <a:ln w="19050"/>
+        </p:spPr>
+        <p:style>
+          <a:lnRef idx="1">
+            <a:schemeClr val="dk1"/>
+          </a:lnRef>
+          <a:fillRef idx="0">
+            <a:schemeClr val="dk1"/>
+          </a:fillRef>
+          <a:effectRef idx="0">
+            <a:schemeClr val="dk1"/>
+          </a:effectRef>
+          <a:fontRef idx="minor">
+            <a:schemeClr val="tx1"/>
+          </a:fontRef>
+        </p:style>
+      </p:cxnSp>
+      <p:cxnSp>
+        <p:nvCxnSpPr>
+          <p:cNvPr id="46" name="直線コネクタ 45">
+            <a:extLst>
+              <a:ext uri="{FF2B5EF4-FFF2-40B4-BE49-F238E27FC236}">
+                <a16:creationId xmlns:a16="http://schemas.microsoft.com/office/drawing/2014/main" id="{C0EF02CE-08EA-0173-9A31-765B09146ACD}"/>
+              </a:ext>
+            </a:extLst>
+          </p:cNvPr>
+          <p:cNvCxnSpPr>
+            <a:cxnSpLocks/>
+            <a:stCxn id="3" idx="6"/>
+            <a:endCxn id="14" idx="2"/>
+          </p:cNvCxnSpPr>
+          <p:nvPr/>
+        </p:nvCxnSpPr>
+        <p:spPr>
+          <a:xfrm flipV="1">
+            <a:off x="5109386" y="1558414"/>
+            <a:ext cx="624347" cy="1322439"/>
+          </a:xfrm>
+          <a:prstGeom prst="line">
+            <a:avLst/>
+          </a:prstGeom>
+          <a:ln w="19050"/>
+        </p:spPr>
+        <p:style>
+          <a:lnRef idx="1">
+            <a:schemeClr val="dk1"/>
+          </a:lnRef>
+          <a:fillRef idx="0">
+            <a:schemeClr val="dk1"/>
+          </a:fillRef>
+          <a:effectRef idx="0">
+            <a:schemeClr val="dk1"/>
+          </a:effectRef>
+          <a:fontRef idx="minor">
+            <a:schemeClr val="tx1"/>
+          </a:fontRef>
+        </p:style>
+      </p:cxnSp>
+      <p:cxnSp>
+        <p:nvCxnSpPr>
+          <p:cNvPr id="50" name="直線コネクタ 49">
+            <a:extLst>
+              <a:ext uri="{FF2B5EF4-FFF2-40B4-BE49-F238E27FC236}">
+                <a16:creationId xmlns:a16="http://schemas.microsoft.com/office/drawing/2014/main" id="{0E3997D0-C3EE-3D94-BB71-0B9DE777371F}"/>
+              </a:ext>
+            </a:extLst>
+          </p:cNvPr>
+          <p:cNvCxnSpPr>
+            <a:cxnSpLocks/>
+            <a:stCxn id="14" idx="6"/>
+            <a:endCxn id="17" idx="2"/>
+          </p:cNvCxnSpPr>
+          <p:nvPr/>
+        </p:nvCxnSpPr>
+        <p:spPr>
+          <a:xfrm>
+            <a:off x="7690353" y="1558414"/>
+            <a:ext cx="559454" cy="13122"/>
+          </a:xfrm>
+          <a:prstGeom prst="line">
+            <a:avLst/>
+          </a:prstGeom>
+          <a:ln w="19050"/>
+        </p:spPr>
+        <p:style>
+          <a:lnRef idx="1">
+            <a:schemeClr val="dk1"/>
+          </a:lnRef>
+          <a:fillRef idx="0">
+            <a:schemeClr val="dk1"/>
+          </a:fillRef>
+          <a:effectRef idx="0">
+            <a:schemeClr val="dk1"/>
+          </a:effectRef>
+          <a:fontRef idx="minor">
+            <a:schemeClr val="tx1"/>
+          </a:fontRef>
+        </p:style>
+      </p:cxnSp>
+      <p:sp>
+        <p:nvSpPr>
+          <p:cNvPr id="2" name="楕円 1">
+            <a:extLst>
+              <a:ext uri="{FF2B5EF4-FFF2-40B4-BE49-F238E27FC236}">
+                <a16:creationId xmlns:a16="http://schemas.microsoft.com/office/drawing/2014/main" id="{088B88D4-0A9B-BDB5-3B9A-4CE15024D220}"/>
+              </a:ext>
+            </a:extLst>
+          </p:cNvPr>
+          <p:cNvSpPr/>
+          <p:nvPr/>
+        </p:nvSpPr>
+        <p:spPr>
+          <a:xfrm>
+            <a:off x="8271463" y="4459137"/>
+            <a:ext cx="1956620" cy="639097"/>
+          </a:xfrm>
+          <a:prstGeom prst="ellipse">
+            <a:avLst/>
+          </a:prstGeom>
+          <a:noFill/>
+          <a:ln w="19050">
+            <a:solidFill>
+              <a:schemeClr val="tx1"/>
+            </a:solidFill>
+          </a:ln>
+        </p:spPr>
+        <p:style>
+          <a:lnRef idx="2">
+            <a:schemeClr val="accent1">
+              <a:shade val="15000"/>
+            </a:schemeClr>
+          </a:lnRef>
+          <a:fillRef idx="1">
+            <a:schemeClr val="accent1"/>
+          </a:fillRef>
+          <a:effectRef idx="0">
+            <a:schemeClr val="accent1"/>
+          </a:effectRef>
+          <a:fontRef idx="minor">
+            <a:schemeClr val="lt1"/>
+          </a:fontRef>
+        </p:style>
+        <p:txBody>
+          <a:bodyPr rtlCol="0" anchor="ctr"/>
+          <a:lstStyle/>
+          <a:p>
+            <a:pPr algn="ctr"/>
+            <a:r>
+              <a:rPr kumimoji="1" lang="ja-JP" altLang="en-US" dirty="0">
+                <a:solidFill>
+                  <a:schemeClr val="tx1"/>
+                </a:solidFill>
+              </a:rPr>
+              <a:t>貸出履歴</a:t>
+            </a:r>
+            <a:endParaRPr kumimoji="1" lang="en-US" altLang="ja-JP" dirty="0">
+              <a:solidFill>
+                <a:schemeClr val="tx1"/>
+              </a:solidFill>
+            </a:endParaRPr>
+          </a:p>
+          <a:p>
+            <a:pPr algn="ctr"/>
+            <a:r>
+              <a:rPr kumimoji="1" lang="ja-JP" altLang="en-US" dirty="0">
+                <a:solidFill>
+                  <a:schemeClr val="tx1"/>
+                </a:solidFill>
+              </a:rPr>
+              <a:t>の修正</a:t>
+            </a:r>
+            <a:endParaRPr kumimoji="1" lang="en-US" altLang="ja-JP" dirty="0">
+              <a:solidFill>
+                <a:schemeClr val="tx1"/>
+              </a:solidFill>
+            </a:endParaRPr>
+          </a:p>
+        </p:txBody>
+      </p:sp>
+      <p:cxnSp>
+        <p:nvCxnSpPr>
+          <p:cNvPr id="7" name="直線コネクタ 6">
+            <a:extLst>
+              <a:ext uri="{FF2B5EF4-FFF2-40B4-BE49-F238E27FC236}">
+                <a16:creationId xmlns:a16="http://schemas.microsoft.com/office/drawing/2014/main" id="{5AE4E240-91A4-B043-7288-03249FA98651}"/>
+              </a:ext>
+            </a:extLst>
+          </p:cNvPr>
+          <p:cNvCxnSpPr>
+            <a:cxnSpLocks/>
+            <a:stCxn id="2" idx="6"/>
+          </p:cNvCxnSpPr>
+          <p:nvPr/>
+        </p:nvCxnSpPr>
+        <p:spPr>
+          <a:xfrm flipV="1">
+            <a:off x="10228083" y="3429000"/>
+            <a:ext cx="814668" cy="1349686"/>
+          </a:xfrm>
+          <a:prstGeom prst="line">
+            <a:avLst/>
+          </a:prstGeom>
+          <a:ln w="19050"/>
+        </p:spPr>
+        <p:style>
+          <a:lnRef idx="1">
+            <a:schemeClr val="dk1"/>
+          </a:lnRef>
+          <a:fillRef idx="0">
+            <a:schemeClr val="dk1"/>
+          </a:fillRef>
+          <a:effectRef idx="0">
+            <a:schemeClr val="dk1"/>
+          </a:effectRef>
+          <a:fontRef idx="minor">
+            <a:schemeClr val="tx1"/>
+          </a:fontRef>
+        </p:style>
+      </p:cxnSp>
+      <p:sp>
+        <p:nvSpPr>
+          <p:cNvPr id="8" name="楕円 7">
+            <a:extLst>
+              <a:ext uri="{FF2B5EF4-FFF2-40B4-BE49-F238E27FC236}">
+                <a16:creationId xmlns:a16="http://schemas.microsoft.com/office/drawing/2014/main" id="{BD10C93E-D570-F40B-710B-793DDB04F0D9}"/>
+              </a:ext>
+            </a:extLst>
+          </p:cNvPr>
+          <p:cNvSpPr/>
+          <p:nvPr/>
+        </p:nvSpPr>
+        <p:spPr>
+          <a:xfrm>
+            <a:off x="5753358" y="2478562"/>
+            <a:ext cx="1956620" cy="639097"/>
+          </a:xfrm>
+          <a:prstGeom prst="ellipse">
+            <a:avLst/>
+          </a:prstGeom>
+          <a:noFill/>
+          <a:ln w="19050">
+            <a:solidFill>
+              <a:schemeClr val="tx1"/>
+            </a:solidFill>
+          </a:ln>
+        </p:spPr>
+        <p:style>
+          <a:lnRef idx="2">
+            <a:schemeClr val="accent1">
+              <a:shade val="15000"/>
+            </a:schemeClr>
+          </a:lnRef>
+          <a:fillRef idx="1">
+            <a:schemeClr val="accent1"/>
+          </a:fillRef>
+          <a:effectRef idx="0">
+            <a:schemeClr val="accent1"/>
+          </a:effectRef>
+          <a:fontRef idx="minor">
+            <a:schemeClr val="lt1"/>
+          </a:fontRef>
+        </p:style>
+        <p:txBody>
+          <a:bodyPr rtlCol="0" anchor="ctr"/>
+          <a:lstStyle/>
+          <a:p>
+            <a:pPr algn="ctr"/>
+            <a:r>
+              <a:rPr kumimoji="1" lang="ja-JP" altLang="en-US" dirty="0">
+                <a:solidFill>
+                  <a:schemeClr val="tx1"/>
+                </a:solidFill>
+              </a:rPr>
+              <a:t>貸出</a:t>
+            </a:r>
+            <a:r>
+              <a:rPr lang="ja-JP" altLang="en-US" dirty="0">
+                <a:solidFill>
+                  <a:schemeClr val="tx1"/>
+                </a:solidFill>
+              </a:rPr>
+              <a:t>予約</a:t>
+            </a:r>
+            <a:endParaRPr kumimoji="1" lang="en-US" altLang="ja-JP" dirty="0">
+              <a:solidFill>
+                <a:schemeClr val="tx1"/>
+              </a:solidFill>
+            </a:endParaRPr>
+          </a:p>
+        </p:txBody>
+      </p:sp>
+      <p:cxnSp>
+        <p:nvCxnSpPr>
+          <p:cNvPr id="9" name="直線コネクタ 8">
+            <a:extLst>
+              <a:ext uri="{FF2B5EF4-FFF2-40B4-BE49-F238E27FC236}">
+                <a16:creationId xmlns:a16="http://schemas.microsoft.com/office/drawing/2014/main" id="{17DA9141-699C-AD56-BAE7-0116AEAFAA51}"/>
+              </a:ext>
+            </a:extLst>
+          </p:cNvPr>
+          <p:cNvCxnSpPr>
+            <a:cxnSpLocks/>
+            <a:stCxn id="3" idx="6"/>
+            <a:endCxn id="8" idx="2"/>
+          </p:cNvCxnSpPr>
+          <p:nvPr/>
+        </p:nvCxnSpPr>
+        <p:spPr>
+          <a:xfrm flipV="1">
+            <a:off x="5109386" y="2798111"/>
+            <a:ext cx="643972" cy="82742"/>
+          </a:xfrm>
+          <a:prstGeom prst="line">
+            <a:avLst/>
+          </a:prstGeom>
+          <a:ln w="19050"/>
+        </p:spPr>
+        <p:style>
+          <a:lnRef idx="1">
+            <a:schemeClr val="dk1"/>
+          </a:lnRef>
+          <a:fillRef idx="0">
+            <a:schemeClr val="dk1"/>
+          </a:fillRef>
+          <a:effectRef idx="0">
+            <a:schemeClr val="dk1"/>
+          </a:effectRef>
+          <a:fontRef idx="minor">
+            <a:schemeClr val="tx1"/>
+          </a:fontRef>
+        </p:style>
+      </p:cxnSp>
+      <p:pic>
+        <p:nvPicPr>
+          <p:cNvPr id="11" name="グラフィックス 10" descr="男性 単色塗りつぶし">
+            <a:extLst>
+              <a:ext uri="{FF2B5EF4-FFF2-40B4-BE49-F238E27FC236}">
+                <a16:creationId xmlns:a16="http://schemas.microsoft.com/office/drawing/2014/main" id="{839EFAF5-A634-397B-C7DC-9D7E8401CDFF}"/>
+              </a:ext>
+            </a:extLst>
+          </p:cNvPr>
+          <p:cNvPicPr>
+            <a:picLocks noChangeAspect="1"/>
+          </p:cNvPicPr>
+          <p:nvPr/>
+        </p:nvPicPr>
+        <p:blipFill>
+          <a:blip r:embed="rId2">
+            <a:extLst>
+              <a:ext uri="{28A0092B-C50C-407E-A947-70E740481C1C}">
+                <a14:useLocalDpi xmlns:a14="http://schemas.microsoft.com/office/drawing/2010/main" val="0"/>
+              </a:ext>
+              <a:ext uri="{96DAC541-7B7A-43D3-8B79-37D633B846F1}">
+                <asvg:svgBlip xmlns:asvg="http://schemas.microsoft.com/office/drawing/2016/SVG/main" r:embed="rId3"/>
+              </a:ext>
+            </a:extLst>
+          </a:blip>
+          <a:stretch>
+            <a:fillRect/>
+          </a:stretch>
+        </p:blipFill>
+        <p:spPr>
+          <a:xfrm>
+            <a:off x="10872706" y="2889457"/>
+            <a:ext cx="914400" cy="914400"/>
+          </a:xfrm>
+          <a:prstGeom prst="rect">
+            <a:avLst/>
+          </a:prstGeom>
+        </p:spPr>
+      </p:pic>
+      <p:sp>
+        <p:nvSpPr>
+          <p:cNvPr id="12" name="テキスト ボックス 11">
+            <a:extLst>
+              <a:ext uri="{FF2B5EF4-FFF2-40B4-BE49-F238E27FC236}">
+                <a16:creationId xmlns:a16="http://schemas.microsoft.com/office/drawing/2014/main" id="{D50B2822-C70A-9D36-6E0E-A228D5D4EE34}"/>
+              </a:ext>
+            </a:extLst>
+          </p:cNvPr>
+          <p:cNvSpPr txBox="1"/>
+          <p:nvPr/>
+        </p:nvSpPr>
+        <p:spPr>
+          <a:xfrm>
+            <a:off x="10851966" y="3770847"/>
+            <a:ext cx="1017638" cy="307777"/>
+          </a:xfrm>
+          <a:prstGeom prst="rect">
+            <a:avLst/>
+          </a:prstGeom>
+          <a:noFill/>
+        </p:spPr>
+        <p:txBody>
+          <a:bodyPr wrap="square" rtlCol="0">
+            <a:spAutoFit/>
+          </a:bodyPr>
+          <a:lstStyle/>
+          <a:p>
+            <a:pPr algn="ctr"/>
+            <a:r>
+              <a:rPr kumimoji="1" lang="ja-JP" altLang="en-US" sz="1400" dirty="0"/>
+              <a:t>管理者</a:t>
+            </a:r>
+          </a:p>
+        </p:txBody>
+      </p:sp>
     </p:spTree>
     <p:extLst>
       <p:ext uri="{BB962C8B-B14F-4D97-AF65-F5344CB8AC3E}">
-        <p14:creationId xmlns:p14="http://schemas.microsoft.com/office/powerpoint/2010/main" val="1338072080"/>
+        <p14:creationId xmlns:p14="http://schemas.microsoft.com/office/powerpoint/2010/main" val="577396967"/>
       </p:ext>
     </p:extLst>
   </p:cSld>
